--- a/aifin/2021/project2/1 Wang_Xiang/report.pptx
+++ b/aifin/2021/project2/1 Wang_Xiang/report.pptx
@@ -5,10 +5,11 @@
     <p:sldMasterId id="2147483648" r:id="rId1"/>
   </p:sldMasterIdLst>
   <p:notesMasterIdLst>
-    <p:notesMasterId r:id="rId3"/>
+    <p:notesMasterId r:id="rId4"/>
   </p:notesMasterIdLst>
   <p:sldIdLst>
     <p:sldId id="256" r:id="rId2"/>
+    <p:sldId id="257" r:id="rId3"/>
   </p:sldIdLst>
   <p:sldSz cx="12192000" cy="6858000"/>
   <p:notesSz cx="6858000" cy="9144000"/>
@@ -126,6 +127,314 @@
 </p:presentation>
 </file>
 
+<file path=ppt/revisionInfo.xml><?xml version="1.0" encoding="utf-8"?>
+<p1510:revInfo xmlns:a="http://schemas.openxmlformats.org/drawingml/2006/main" xmlns:r="http://schemas.openxmlformats.org/officeDocument/2006/relationships" xmlns:p1510="http://schemas.microsoft.com/office/powerpoint/2015/10/main">
+  <p1510:revLst>
+    <p1510:client id="{DA2E0F22-7E97-4909-A466-2C7866ED0152}" v="2" dt="2021-11-11T12:32:51.654"/>
+  </p1510:revLst>
+</p1510:revInfo>
+</file>
+
+<file path=ppt/changesInfos/changesInfo1.xml><?xml version="1.0" encoding="utf-8"?>
+<pc:chgInfo xmlns:a="http://schemas.openxmlformats.org/drawingml/2006/main" xmlns:r="http://schemas.openxmlformats.org/officeDocument/2006/relationships" xmlns:ac="http://schemas.microsoft.com/office/drawing/2013/main/command" xmlns:pc="http://schemas.microsoft.com/office/powerpoint/2013/main/command">
+  <pc:docChgLst>
+    <pc:chgData name="Yoi Xiang" userId="c09c3f8a-6cb5-4a37-9f74-2d1913e21293" providerId="ADAL" clId="{DA2E0F22-7E97-4909-A466-2C7866ED0152}"/>
+    <pc:docChg chg="undo custSel addSld modSld">
+      <pc:chgData name="Yoi Xiang" userId="c09c3f8a-6cb5-4a37-9f74-2d1913e21293" providerId="ADAL" clId="{DA2E0F22-7E97-4909-A466-2C7866ED0152}" dt="2021-11-11T12:58:56.547" v="2197" actId="20577"/>
+      <pc:docMkLst>
+        <pc:docMk/>
+      </pc:docMkLst>
+      <pc:sldChg chg="addSp delSp modSp mod">
+        <pc:chgData name="Yoi Xiang" userId="c09c3f8a-6cb5-4a37-9f74-2d1913e21293" providerId="ADAL" clId="{DA2E0F22-7E97-4909-A466-2C7866ED0152}" dt="2021-11-11T12:58:56.547" v="2197" actId="20577"/>
+        <pc:sldMkLst>
+          <pc:docMk/>
+          <pc:sldMk cId="263858504" sldId="256"/>
+        </pc:sldMkLst>
+        <pc:spChg chg="mod">
+          <ac:chgData name="Yoi Xiang" userId="c09c3f8a-6cb5-4a37-9f74-2d1913e21293" providerId="ADAL" clId="{DA2E0F22-7E97-4909-A466-2C7866ED0152}" dt="2021-11-11T12:25:25.226" v="428" actId="20577"/>
+          <ac:spMkLst>
+            <pc:docMk/>
+            <pc:sldMk cId="263858504" sldId="256"/>
+            <ac:spMk id="7" creationId="{00000000-0000-0000-0000-000000000000}"/>
+          </ac:spMkLst>
+        </pc:spChg>
+        <pc:spChg chg="mod">
+          <ac:chgData name="Yoi Xiang" userId="c09c3f8a-6cb5-4a37-9f74-2d1913e21293" providerId="ADAL" clId="{DA2E0F22-7E97-4909-A466-2C7866ED0152}" dt="2021-11-11T12:38:30.317" v="657" actId="20577"/>
+          <ac:spMkLst>
+            <pc:docMk/>
+            <pc:sldMk cId="263858504" sldId="256"/>
+            <ac:spMk id="8" creationId="{00000000-0000-0000-0000-000000000000}"/>
+          </ac:spMkLst>
+        </pc:spChg>
+        <pc:spChg chg="add mod">
+          <ac:chgData name="Yoi Xiang" userId="c09c3f8a-6cb5-4a37-9f74-2d1913e21293" providerId="ADAL" clId="{DA2E0F22-7E97-4909-A466-2C7866ED0152}" dt="2021-11-11T12:56:20.652" v="1941" actId="14100"/>
+          <ac:spMkLst>
+            <pc:docMk/>
+            <pc:sldMk cId="263858504" sldId="256"/>
+            <ac:spMk id="10" creationId="{13936DCE-51BC-4192-95C5-8D9F2A3F473D}"/>
+          </ac:spMkLst>
+        </pc:spChg>
+        <pc:spChg chg="mod">
+          <ac:chgData name="Yoi Xiang" userId="c09c3f8a-6cb5-4a37-9f74-2d1913e21293" providerId="ADAL" clId="{DA2E0F22-7E97-4909-A466-2C7866ED0152}" dt="2021-11-11T12:40:15.878" v="677" actId="14100"/>
+          <ac:spMkLst>
+            <pc:docMk/>
+            <pc:sldMk cId="263858504" sldId="256"/>
+            <ac:spMk id="11" creationId="{00000000-0000-0000-0000-000000000000}"/>
+          </ac:spMkLst>
+        </pc:spChg>
+        <pc:spChg chg="add mod">
+          <ac:chgData name="Yoi Xiang" userId="c09c3f8a-6cb5-4a37-9f74-2d1913e21293" providerId="ADAL" clId="{DA2E0F22-7E97-4909-A466-2C7866ED0152}" dt="2021-11-11T12:56:33.570" v="1957" actId="20577"/>
+          <ac:spMkLst>
+            <pc:docMk/>
+            <pc:sldMk cId="263858504" sldId="256"/>
+            <ac:spMk id="12" creationId="{1149FD1C-DD7B-48DE-B76B-03A09CB15985}"/>
+          </ac:spMkLst>
+        </pc:spChg>
+        <pc:spChg chg="mod">
+          <ac:chgData name="Yoi Xiang" userId="c09c3f8a-6cb5-4a37-9f74-2d1913e21293" providerId="ADAL" clId="{DA2E0F22-7E97-4909-A466-2C7866ED0152}" dt="2021-11-11T12:33:22.525" v="620" actId="14100"/>
+          <ac:spMkLst>
+            <pc:docMk/>
+            <pc:sldMk cId="263858504" sldId="256"/>
+            <ac:spMk id="13" creationId="{00000000-0000-0000-0000-000000000000}"/>
+          </ac:spMkLst>
+        </pc:spChg>
+        <pc:spChg chg="add mod">
+          <ac:chgData name="Yoi Xiang" userId="c09c3f8a-6cb5-4a37-9f74-2d1913e21293" providerId="ADAL" clId="{DA2E0F22-7E97-4909-A466-2C7866ED0152}" dt="2021-11-11T12:58:56.547" v="2197" actId="20577"/>
+          <ac:spMkLst>
+            <pc:docMk/>
+            <pc:sldMk cId="263858504" sldId="256"/>
+            <ac:spMk id="15" creationId="{7E45AD05-EDAD-40E8-891D-1B58B5010A4D}"/>
+          </ac:spMkLst>
+        </pc:spChg>
+        <pc:spChg chg="mod">
+          <ac:chgData name="Yoi Xiang" userId="c09c3f8a-6cb5-4a37-9f74-2d1913e21293" providerId="ADAL" clId="{DA2E0F22-7E97-4909-A466-2C7866ED0152}" dt="2021-11-11T12:40:41.734" v="695" actId="20577"/>
+          <ac:spMkLst>
+            <pc:docMk/>
+            <pc:sldMk cId="263858504" sldId="256"/>
+            <ac:spMk id="18" creationId="{00000000-0000-0000-0000-000000000000}"/>
+          </ac:spMkLst>
+        </pc:spChg>
+        <pc:spChg chg="del">
+          <ac:chgData name="Yoi Xiang" userId="c09c3f8a-6cb5-4a37-9f74-2d1913e21293" providerId="ADAL" clId="{DA2E0F22-7E97-4909-A466-2C7866ED0152}" dt="2021-11-11T12:37:54.983" v="645" actId="478"/>
+          <ac:spMkLst>
+            <pc:docMk/>
+            <pc:sldMk cId="263858504" sldId="256"/>
+            <ac:spMk id="22" creationId="{00000000-0000-0000-0000-000000000000}"/>
+          </ac:spMkLst>
+        </pc:spChg>
+        <pc:spChg chg="del">
+          <ac:chgData name="Yoi Xiang" userId="c09c3f8a-6cb5-4a37-9f74-2d1913e21293" providerId="ADAL" clId="{DA2E0F22-7E97-4909-A466-2C7866ED0152}" dt="2021-11-11T12:37:53.280" v="644" actId="478"/>
+          <ac:spMkLst>
+            <pc:docMk/>
+            <pc:sldMk cId="263858504" sldId="256"/>
+            <ac:spMk id="23" creationId="{00000000-0000-0000-0000-000000000000}"/>
+          </ac:spMkLst>
+        </pc:spChg>
+        <pc:spChg chg="del">
+          <ac:chgData name="Yoi Xiang" userId="c09c3f8a-6cb5-4a37-9f74-2d1913e21293" providerId="ADAL" clId="{DA2E0F22-7E97-4909-A466-2C7866ED0152}" dt="2021-11-11T12:37:48.088" v="641" actId="478"/>
+          <ac:spMkLst>
+            <pc:docMk/>
+            <pc:sldMk cId="263858504" sldId="256"/>
+            <ac:spMk id="25" creationId="{00000000-0000-0000-0000-000000000000}"/>
+          </ac:spMkLst>
+        </pc:spChg>
+        <pc:spChg chg="del">
+          <ac:chgData name="Yoi Xiang" userId="c09c3f8a-6cb5-4a37-9f74-2d1913e21293" providerId="ADAL" clId="{DA2E0F22-7E97-4909-A466-2C7866ED0152}" dt="2021-11-11T12:37:50.716" v="643" actId="478"/>
+          <ac:spMkLst>
+            <pc:docMk/>
+            <pc:sldMk cId="263858504" sldId="256"/>
+            <ac:spMk id="27" creationId="{00000000-0000-0000-0000-000000000000}"/>
+          </ac:spMkLst>
+        </pc:spChg>
+        <pc:spChg chg="del">
+          <ac:chgData name="Yoi Xiang" userId="c09c3f8a-6cb5-4a37-9f74-2d1913e21293" providerId="ADAL" clId="{DA2E0F22-7E97-4909-A466-2C7866ED0152}" dt="2021-11-11T12:35:41.879" v="636" actId="478"/>
+          <ac:spMkLst>
+            <pc:docMk/>
+            <pc:sldMk cId="263858504" sldId="256"/>
+            <ac:spMk id="31" creationId="{00000000-0000-0000-0000-000000000000}"/>
+          </ac:spMkLst>
+        </pc:spChg>
+        <pc:spChg chg="del">
+          <ac:chgData name="Yoi Xiang" userId="c09c3f8a-6cb5-4a37-9f74-2d1913e21293" providerId="ADAL" clId="{DA2E0F22-7E97-4909-A466-2C7866ED0152}" dt="2021-11-11T12:35:40.497" v="635" actId="478"/>
+          <ac:spMkLst>
+            <pc:docMk/>
+            <pc:sldMk cId="263858504" sldId="256"/>
+            <ac:spMk id="33" creationId="{00000000-0000-0000-0000-000000000000}"/>
+          </ac:spMkLst>
+        </pc:spChg>
+        <pc:picChg chg="del">
+          <ac:chgData name="Yoi Xiang" userId="c09c3f8a-6cb5-4a37-9f74-2d1913e21293" providerId="ADAL" clId="{DA2E0F22-7E97-4909-A466-2C7866ED0152}" dt="2021-11-11T12:37:55.799" v="646" actId="478"/>
+          <ac:picMkLst>
+            <pc:docMk/>
+            <pc:sldMk cId="263858504" sldId="256"/>
+            <ac:picMk id="3" creationId="{1C99E594-47E9-49CE-83B2-39AEC909F878}"/>
+          </ac:picMkLst>
+        </pc:picChg>
+        <pc:picChg chg="add mod">
+          <ac:chgData name="Yoi Xiang" userId="c09c3f8a-6cb5-4a37-9f74-2d1913e21293" providerId="ADAL" clId="{DA2E0F22-7E97-4909-A466-2C7866ED0152}" dt="2021-11-11T12:40:22.940" v="679" actId="1076"/>
+          <ac:picMkLst>
+            <pc:docMk/>
+            <pc:sldMk cId="263858504" sldId="256"/>
+            <ac:picMk id="4" creationId="{BB6BAAF0-AE30-41B9-81AC-CA1CC0A2576D}"/>
+          </ac:picMkLst>
+        </pc:picChg>
+        <pc:picChg chg="add mod">
+          <ac:chgData name="Yoi Xiang" userId="c09c3f8a-6cb5-4a37-9f74-2d1913e21293" providerId="ADAL" clId="{DA2E0F22-7E97-4909-A466-2C7866ED0152}" dt="2021-11-11T12:40:18.597" v="678" actId="1076"/>
+          <ac:picMkLst>
+            <pc:docMk/>
+            <pc:sldMk cId="263858504" sldId="256"/>
+            <ac:picMk id="6" creationId="{33DE0843-7344-449B-A640-596AAD63EBA0}"/>
+          </ac:picMkLst>
+        </pc:picChg>
+        <pc:picChg chg="del">
+          <ac:chgData name="Yoi Xiang" userId="c09c3f8a-6cb5-4a37-9f74-2d1913e21293" providerId="ADAL" clId="{DA2E0F22-7E97-4909-A466-2C7866ED0152}" dt="2021-11-11T12:37:49.504" v="642" actId="478"/>
+          <ac:picMkLst>
+            <pc:docMk/>
+            <pc:sldMk cId="263858504" sldId="256"/>
+            <ac:picMk id="28" creationId="{00000000-0000-0000-0000-000000000000}"/>
+          </ac:picMkLst>
+        </pc:picChg>
+      </pc:sldChg>
+      <pc:sldChg chg="addSp delSp modSp new mod">
+        <pc:chgData name="Yoi Xiang" userId="c09c3f8a-6cb5-4a37-9f74-2d1913e21293" providerId="ADAL" clId="{DA2E0F22-7E97-4909-A466-2C7866ED0152}" dt="2021-11-11T12:32:31.018" v="614"/>
+        <pc:sldMkLst>
+          <pc:docMk/>
+          <pc:sldMk cId="3929600436" sldId="257"/>
+        </pc:sldMkLst>
+        <pc:spChg chg="add del mod">
+          <ac:chgData name="Yoi Xiang" userId="c09c3f8a-6cb5-4a37-9f74-2d1913e21293" providerId="ADAL" clId="{DA2E0F22-7E97-4909-A466-2C7866ED0152}" dt="2021-11-11T12:32:22.448" v="610"/>
+          <ac:spMkLst>
+            <pc:docMk/>
+            <pc:sldMk cId="3929600436" sldId="257"/>
+            <ac:spMk id="3" creationId="{4E6C1806-5FFB-46D0-A22F-7CF37C2FCEB8}"/>
+          </ac:spMkLst>
+        </pc:spChg>
+        <pc:spChg chg="add del mod">
+          <ac:chgData name="Yoi Xiang" userId="c09c3f8a-6cb5-4a37-9f74-2d1913e21293" providerId="ADAL" clId="{DA2E0F22-7E97-4909-A466-2C7866ED0152}" dt="2021-11-11T12:32:31.018" v="614"/>
+          <ac:spMkLst>
+            <pc:docMk/>
+            <pc:sldMk cId="3929600436" sldId="257"/>
+            <ac:spMk id="5" creationId="{FC5581F1-FF07-4304-8FD2-E769DFA3301B}"/>
+          </ac:spMkLst>
+        </pc:spChg>
+      </pc:sldChg>
+    </pc:docChg>
+  </pc:docChgLst>
+  <pc:docChgLst>
+    <pc:chgData name="Yoi Xiang" userId="c09c3f8a-6cb5-4a37-9f74-2d1913e21293" providerId="ADAL" clId="{4152D923-FA9F-4CE6-94EE-B6971B881FEA}"/>
+    <pc:docChg chg="undo custSel modSld">
+      <pc:chgData name="Yoi Xiang" userId="c09c3f8a-6cb5-4a37-9f74-2d1913e21293" providerId="ADAL" clId="{4152D923-FA9F-4CE6-94EE-B6971B881FEA}" dt="2021-09-19T08:12:27.872" v="1891" actId="1076"/>
+      <pc:docMkLst>
+        <pc:docMk/>
+      </pc:docMkLst>
+      <pc:sldChg chg="addSp delSp modSp mod">
+        <pc:chgData name="Yoi Xiang" userId="c09c3f8a-6cb5-4a37-9f74-2d1913e21293" providerId="ADAL" clId="{4152D923-FA9F-4CE6-94EE-B6971B881FEA}" dt="2021-09-19T08:12:27.872" v="1891" actId="1076"/>
+        <pc:sldMkLst>
+          <pc:docMk/>
+          <pc:sldMk cId="263858504" sldId="256"/>
+        </pc:sldMkLst>
+        <pc:spChg chg="mod">
+          <ac:chgData name="Yoi Xiang" userId="c09c3f8a-6cb5-4a37-9f74-2d1913e21293" providerId="ADAL" clId="{4152D923-FA9F-4CE6-94EE-B6971B881FEA}" dt="2021-09-19T07:39:24.650" v="23" actId="20577"/>
+          <ac:spMkLst>
+            <pc:docMk/>
+            <pc:sldMk cId="263858504" sldId="256"/>
+            <ac:spMk id="7" creationId="{00000000-0000-0000-0000-000000000000}"/>
+          </ac:spMkLst>
+        </pc:spChg>
+        <pc:spChg chg="mod">
+          <ac:chgData name="Yoi Xiang" userId="c09c3f8a-6cb5-4a37-9f74-2d1913e21293" providerId="ADAL" clId="{4152D923-FA9F-4CE6-94EE-B6971B881FEA}" dt="2021-09-19T08:09:59.856" v="1852" actId="14100"/>
+          <ac:spMkLst>
+            <pc:docMk/>
+            <pc:sldMk cId="263858504" sldId="256"/>
+            <ac:spMk id="14" creationId="{00000000-0000-0000-0000-000000000000}"/>
+          </ac:spMkLst>
+        </pc:spChg>
+        <pc:spChg chg="del">
+          <ac:chgData name="Yoi Xiang" userId="c09c3f8a-6cb5-4a37-9f74-2d1913e21293" providerId="ADAL" clId="{4152D923-FA9F-4CE6-94EE-B6971B881FEA}" dt="2021-09-19T08:09:46.205" v="1848" actId="478"/>
+          <ac:spMkLst>
+            <pc:docMk/>
+            <pc:sldMk cId="263858504" sldId="256"/>
+            <ac:spMk id="15" creationId="{00000000-0000-0000-0000-000000000000}"/>
+          </ac:spMkLst>
+        </pc:spChg>
+        <pc:spChg chg="del">
+          <ac:chgData name="Yoi Xiang" userId="c09c3f8a-6cb5-4a37-9f74-2d1913e21293" providerId="ADAL" clId="{4152D923-FA9F-4CE6-94EE-B6971B881FEA}" dt="2021-09-19T08:09:47.948" v="1849" actId="478"/>
+          <ac:spMkLst>
+            <pc:docMk/>
+            <pc:sldMk cId="263858504" sldId="256"/>
+            <ac:spMk id="17" creationId="{00000000-0000-0000-0000-000000000000}"/>
+          </ac:spMkLst>
+        </pc:spChg>
+        <pc:spChg chg="mod">
+          <ac:chgData name="Yoi Xiang" userId="c09c3f8a-6cb5-4a37-9f74-2d1913e21293" providerId="ADAL" clId="{4152D923-FA9F-4CE6-94EE-B6971B881FEA}" dt="2021-09-19T08:12:06.825" v="1887" actId="1076"/>
+          <ac:spMkLst>
+            <pc:docMk/>
+            <pc:sldMk cId="263858504" sldId="256"/>
+            <ac:spMk id="20" creationId="{00000000-0000-0000-0000-000000000000}"/>
+          </ac:spMkLst>
+        </pc:spChg>
+        <pc:spChg chg="mod">
+          <ac:chgData name="Yoi Xiang" userId="c09c3f8a-6cb5-4a37-9f74-2d1913e21293" providerId="ADAL" clId="{4152D923-FA9F-4CE6-94EE-B6971B881FEA}" dt="2021-09-19T08:12:27.872" v="1891" actId="1076"/>
+          <ac:spMkLst>
+            <pc:docMk/>
+            <pc:sldMk cId="263858504" sldId="256"/>
+            <ac:spMk id="22" creationId="{00000000-0000-0000-0000-000000000000}"/>
+          </ac:spMkLst>
+        </pc:spChg>
+        <pc:spChg chg="mod">
+          <ac:chgData name="Yoi Xiang" userId="c09c3f8a-6cb5-4a37-9f74-2d1913e21293" providerId="ADAL" clId="{4152D923-FA9F-4CE6-94EE-B6971B881FEA}" dt="2021-09-19T08:12:17.946" v="1888" actId="1076"/>
+          <ac:spMkLst>
+            <pc:docMk/>
+            <pc:sldMk cId="263858504" sldId="256"/>
+            <ac:spMk id="23" creationId="{00000000-0000-0000-0000-000000000000}"/>
+          </ac:spMkLst>
+        </pc:spChg>
+        <pc:spChg chg="mod">
+          <ac:chgData name="Yoi Xiang" userId="c09c3f8a-6cb5-4a37-9f74-2d1913e21293" providerId="ADAL" clId="{4152D923-FA9F-4CE6-94EE-B6971B881FEA}" dt="2021-09-19T08:12:06.825" v="1887" actId="1076"/>
+          <ac:spMkLst>
+            <pc:docMk/>
+            <pc:sldMk cId="263858504" sldId="256"/>
+            <ac:spMk id="26" creationId="{00000000-0000-0000-0000-000000000000}"/>
+          </ac:spMkLst>
+        </pc:spChg>
+        <pc:spChg chg="mod">
+          <ac:chgData name="Yoi Xiang" userId="c09c3f8a-6cb5-4a37-9f74-2d1913e21293" providerId="ADAL" clId="{4152D923-FA9F-4CE6-94EE-B6971B881FEA}" dt="2021-09-19T08:11:57.912" v="1885" actId="1076"/>
+          <ac:spMkLst>
+            <pc:docMk/>
+            <pc:sldMk cId="263858504" sldId="256"/>
+            <ac:spMk id="29" creationId="{00000000-0000-0000-0000-000000000000}"/>
+          </ac:spMkLst>
+        </pc:spChg>
+        <pc:spChg chg="mod">
+          <ac:chgData name="Yoi Xiang" userId="c09c3f8a-6cb5-4a37-9f74-2d1913e21293" providerId="ADAL" clId="{4152D923-FA9F-4CE6-94EE-B6971B881FEA}" dt="2021-09-19T08:11:57.912" v="1885" actId="1076"/>
+          <ac:spMkLst>
+            <pc:docMk/>
+            <pc:sldMk cId="263858504" sldId="256"/>
+            <ac:spMk id="30" creationId="{00000000-0000-0000-0000-000000000000}"/>
+          </ac:spMkLst>
+        </pc:spChg>
+        <pc:picChg chg="add mod">
+          <ac:chgData name="Yoi Xiang" userId="c09c3f8a-6cb5-4a37-9f74-2d1913e21293" providerId="ADAL" clId="{4152D923-FA9F-4CE6-94EE-B6971B881FEA}" dt="2021-09-19T07:45:19.450" v="296" actId="1076"/>
+          <ac:picMkLst>
+            <pc:docMk/>
+            <pc:sldMk cId="263858504" sldId="256"/>
+            <ac:picMk id="3" creationId="{1C99E594-47E9-49CE-83B2-39AEC909F878}"/>
+          </ac:picMkLst>
+        </pc:picChg>
+        <pc:picChg chg="del">
+          <ac:chgData name="Yoi Xiang" userId="c09c3f8a-6cb5-4a37-9f74-2d1913e21293" providerId="ADAL" clId="{4152D923-FA9F-4CE6-94EE-B6971B881FEA}" dt="2021-09-19T07:44:31.227" v="284" actId="478"/>
+          <ac:picMkLst>
+            <pc:docMk/>
+            <pc:sldMk cId="263858504" sldId="256"/>
+            <ac:picMk id="4" creationId="{00000000-0000-0000-0000-000000000000}"/>
+          </ac:picMkLst>
+        </pc:picChg>
+      </pc:sldChg>
+    </pc:docChg>
+  </pc:docChgLst>
+</pc:chgInfo>
+</file>
+
 <file path=ppt/notesMasters/notesMaster1.xml><?xml version="1.0" encoding="utf-8"?>
 <p:notesMaster xmlns:a="http://schemas.openxmlformats.org/drawingml/2006/main" xmlns:r="http://schemas.openxmlformats.org/officeDocument/2006/relationships" xmlns:p="http://schemas.openxmlformats.org/presentationml/2006/main">
   <p:cSld>
@@ -208,7 +517,7 @@
           <a:p>
             <a:fld id="{89F9ED9C-B9C9-8741-9537-79AC2148F83F}" type="datetimeFigureOut">
               <a:rPr lang="en-US" smtClean="0"/>
-              <a:t>9/19/21</a:t>
+              <a:t>11/13/21</a:t>
             </a:fld>
             <a:endParaRPr lang="en-US"/>
           </a:p>
@@ -688,7 +997,7 @@
           <a:p>
             <a:fld id="{8ABEC03D-8E1E-0847-AB74-B7FC4FF0E5D4}" type="datetimeFigureOut">
               <a:rPr lang="en-US" smtClean="0"/>
-              <a:t>9/19/21</a:t>
+              <a:t>11/13/21</a:t>
             </a:fld>
             <a:endParaRPr lang="en-US"/>
           </a:p>
@@ -856,7 +1165,7 @@
           <a:p>
             <a:fld id="{8ABEC03D-8E1E-0847-AB74-B7FC4FF0E5D4}" type="datetimeFigureOut">
               <a:rPr lang="en-US" smtClean="0"/>
-              <a:t>9/19/21</a:t>
+              <a:t>11/13/21</a:t>
             </a:fld>
             <a:endParaRPr lang="en-US"/>
           </a:p>
@@ -1034,7 +1343,7 @@
           <a:p>
             <a:fld id="{8ABEC03D-8E1E-0847-AB74-B7FC4FF0E5D4}" type="datetimeFigureOut">
               <a:rPr lang="en-US" smtClean="0"/>
-              <a:t>9/19/21</a:t>
+              <a:t>11/13/21</a:t>
             </a:fld>
             <a:endParaRPr lang="en-US"/>
           </a:p>
@@ -1202,7 +1511,7 @@
           <a:p>
             <a:fld id="{8ABEC03D-8E1E-0847-AB74-B7FC4FF0E5D4}" type="datetimeFigureOut">
               <a:rPr lang="en-US" smtClean="0"/>
-              <a:t>9/19/21</a:t>
+              <a:t>11/13/21</a:t>
             </a:fld>
             <a:endParaRPr lang="en-US"/>
           </a:p>
@@ -1447,7 +1756,7 @@
           <a:p>
             <a:fld id="{8ABEC03D-8E1E-0847-AB74-B7FC4FF0E5D4}" type="datetimeFigureOut">
               <a:rPr lang="en-US" smtClean="0"/>
-              <a:t>9/19/21</a:t>
+              <a:t>11/13/21</a:t>
             </a:fld>
             <a:endParaRPr lang="en-US"/>
           </a:p>
@@ -1676,7 +1985,7 @@
           <a:p>
             <a:fld id="{8ABEC03D-8E1E-0847-AB74-B7FC4FF0E5D4}" type="datetimeFigureOut">
               <a:rPr lang="en-US" smtClean="0"/>
-              <a:t>9/19/21</a:t>
+              <a:t>11/13/21</a:t>
             </a:fld>
             <a:endParaRPr lang="en-US"/>
           </a:p>
@@ -2040,7 +2349,7 @@
           <a:p>
             <a:fld id="{8ABEC03D-8E1E-0847-AB74-B7FC4FF0E5D4}" type="datetimeFigureOut">
               <a:rPr lang="en-US" smtClean="0"/>
-              <a:t>9/19/21</a:t>
+              <a:t>11/13/21</a:t>
             </a:fld>
             <a:endParaRPr lang="en-US"/>
           </a:p>
@@ -2157,7 +2466,7 @@
           <a:p>
             <a:fld id="{8ABEC03D-8E1E-0847-AB74-B7FC4FF0E5D4}" type="datetimeFigureOut">
               <a:rPr lang="en-US" smtClean="0"/>
-              <a:t>9/19/21</a:t>
+              <a:t>11/13/21</a:t>
             </a:fld>
             <a:endParaRPr lang="en-US"/>
           </a:p>
@@ -2252,7 +2561,7 @@
           <a:p>
             <a:fld id="{8ABEC03D-8E1E-0847-AB74-B7FC4FF0E5D4}" type="datetimeFigureOut">
               <a:rPr lang="en-US" smtClean="0"/>
-              <a:t>9/19/21</a:t>
+              <a:t>11/13/21</a:t>
             </a:fld>
             <a:endParaRPr lang="en-US"/>
           </a:p>
@@ -2527,7 +2836,7 @@
           <a:p>
             <a:fld id="{8ABEC03D-8E1E-0847-AB74-B7FC4FF0E5D4}" type="datetimeFigureOut">
               <a:rPr lang="en-US" smtClean="0"/>
-              <a:t>9/19/21</a:t>
+              <a:t>11/13/21</a:t>
             </a:fld>
             <a:endParaRPr lang="en-US"/>
           </a:p>
@@ -2779,7 +3088,7 @@
           <a:p>
             <a:fld id="{8ABEC03D-8E1E-0847-AB74-B7FC4FF0E5D4}" type="datetimeFigureOut">
               <a:rPr lang="en-US" smtClean="0"/>
-              <a:t>9/19/21</a:t>
+              <a:t>11/13/21</a:t>
             </a:fld>
             <a:endParaRPr lang="en-US"/>
           </a:p>
@@ -2990,7 +3299,7 @@
           <a:p>
             <a:fld id="{8ABEC03D-8E1E-0847-AB74-B7FC4FF0E5D4}" type="datetimeFigureOut">
               <a:rPr lang="en-US" smtClean="0"/>
-              <a:t>9/19/21</a:t>
+              <a:t>11/13/21</a:t>
             </a:fld>
             <a:endParaRPr lang="en-US"/>
           </a:p>
@@ -3405,92 +3714,6 @@
       </p:grpSpPr>
       <p:sp>
         <p:nvSpPr>
-          <p:cNvPr id="31" name="Rectangle 30"/>
-          <p:cNvSpPr/>
-          <p:nvPr/>
-        </p:nvSpPr>
-        <p:spPr>
-          <a:xfrm>
-            <a:off x="171871" y="4711301"/>
-            <a:ext cx="1795118" cy="1966908"/>
-          </a:xfrm>
-          <a:prstGeom prst="rect">
-            <a:avLst/>
-          </a:prstGeom>
-          <a:ln>
-            <a:solidFill>
-              <a:srgbClr val="7030A0"/>
-            </a:solidFill>
-          </a:ln>
-        </p:spPr>
-        <p:style>
-          <a:lnRef idx="2">
-            <a:schemeClr val="dk1"/>
-          </a:lnRef>
-          <a:fillRef idx="1">
-            <a:schemeClr val="lt1"/>
-          </a:fillRef>
-          <a:effectRef idx="0">
-            <a:schemeClr val="dk1"/>
-          </a:effectRef>
-          <a:fontRef idx="minor">
-            <a:schemeClr val="dk1"/>
-          </a:fontRef>
-        </p:style>
-        <p:txBody>
-          <a:bodyPr rtlCol="0" anchor="ctr"/>
-          <a:lstStyle/>
-          <a:p>
-            <a:pPr algn="just"/>
-            <a:r>
-              <a:rPr lang="en-US" altLang="zh-CN" sz="1000" b="1" dirty="0"/>
-              <a:t>Feature Engineering</a:t>
-            </a:r>
-            <a:endParaRPr lang="en-US" altLang="zh-CN" sz="900" b="1" dirty="0"/>
-          </a:p>
-          <a:p>
-            <a:pPr algn="just"/>
-            <a:endParaRPr lang="en-US" altLang="zh-CN" sz="900" dirty="0"/>
-          </a:p>
-          <a:p>
-            <a:pPr marL="171450" indent="-171450" algn="just">
-              <a:buFont typeface="Wingdings" charset="2"/>
-              <a:buChar char="Ø"/>
-            </a:pPr>
-            <a:r>
-              <a:rPr lang="en-US" altLang="zh-CN" sz="900" dirty="0"/>
-              <a:t>Average over multiple features are added, such as the average score of 3 external sources scores</a:t>
-            </a:r>
-          </a:p>
-          <a:p>
-            <a:pPr marL="171450" indent="-171450" algn="just">
-              <a:buFont typeface="Wingdings" charset="2"/>
-              <a:buChar char="Ø"/>
-            </a:pPr>
-            <a:r>
-              <a:rPr lang="en-US" altLang="zh-CN" sz="900" dirty="0"/>
-              <a:t>Sin-cos transformation are applied on the cyclic features such as </a:t>
-            </a:r>
-            <a:r>
-              <a:rPr lang="en-US" altLang="zh-CN" sz="900" i="1" dirty="0"/>
-              <a:t>WEEKDAY_APPR_PROCESS_START</a:t>
-            </a:r>
-            <a:endParaRPr lang="en-US" altLang="zh-CN" sz="900" dirty="0"/>
-          </a:p>
-          <a:p>
-            <a:pPr marL="171450" indent="-171450" algn="just">
-              <a:buFont typeface="Wingdings" charset="2"/>
-              <a:buChar char="Ø"/>
-            </a:pPr>
-            <a:r>
-              <a:rPr lang="en-US" altLang="zh-CN" sz="900" dirty="0"/>
-              <a:t>One hot encoder is applied on categorical features</a:t>
-            </a:r>
-          </a:p>
-        </p:txBody>
-      </p:sp>
-      <p:sp>
-        <p:nvSpPr>
           <p:cNvPr id="7" name="Rectangle 6"/>
           <p:cNvSpPr/>
           <p:nvPr/>
@@ -3543,7 +3766,7 @@
             </a:r>
             <a:r>
               <a:rPr lang="en-US" dirty="0"/>
-              <a:t>Mini-Project 1</a:t>
+              <a:t>Mini-Project 2</a:t>
             </a:r>
             <a:r>
               <a:rPr lang="en-US" altLang="zh-CN" dirty="0">
@@ -3551,8 +3774,53 @@
                   <a:schemeClr val="bg1"/>
                 </a:solidFill>
               </a:rPr>
-              <a:t>: Kaggle Home Credit Competition</a:t>
-            </a:r>
+              <a:t>: </a:t>
+            </a:r>
+            <a:r>
+              <a:rPr lang="en-GB" altLang="zh-CN" dirty="0">
+                <a:solidFill>
+                  <a:schemeClr val="bg1"/>
+                </a:solidFill>
+              </a:rPr>
+              <a:t>(Re-)</a:t>
+            </a:r>
+            <a:r>
+              <a:rPr lang="en-GB" altLang="zh-CN" dirty="0" err="1">
+                <a:solidFill>
+                  <a:schemeClr val="bg1"/>
+                </a:solidFill>
+              </a:rPr>
+              <a:t>Imag</a:t>
+            </a:r>
+            <a:r>
+              <a:rPr lang="en-GB" altLang="zh-CN" dirty="0">
+                <a:solidFill>
+                  <a:schemeClr val="bg1"/>
+                </a:solidFill>
+              </a:rPr>
+              <a:t>(in)</a:t>
+            </a:r>
+            <a:r>
+              <a:rPr lang="en-GB" altLang="zh-CN" dirty="0" err="1">
+                <a:solidFill>
+                  <a:schemeClr val="bg1"/>
+                </a:solidFill>
+              </a:rPr>
+              <a:t>ing</a:t>
+            </a:r>
+            <a:r>
+              <a:rPr lang="en-GB" altLang="zh-CN" dirty="0">
+                <a:solidFill>
+                  <a:schemeClr val="bg1"/>
+                </a:solidFill>
+              </a:rPr>
+              <a:t> Price Trends</a:t>
+            </a:r>
+            <a:endParaRPr lang="en-US" altLang="zh-CN" dirty="0">
+              <a:solidFill>
+                <a:schemeClr val="bg1"/>
+              </a:solidFill>
+            </a:endParaRPr>
           </a:p>
           <a:p>
             <a:pPr algn="ctr"/>
@@ -3562,7 +3830,7 @@
                   <a:schemeClr val="bg1"/>
                 </a:solidFill>
               </a:rPr>
-              <a:t>Ziyi WANG</a:t>
+              <a:t>Ziyi WANG(20256265)</a:t>
             </a:r>
             <a:r>
               <a:rPr lang="en-US" sz="1000" baseline="30000" dirty="0">
@@ -3602,7 +3870,23 @@
                   <a:schemeClr val="bg1"/>
                 </a:solidFill>
               </a:rPr>
-              <a:t>zwangbn,yxiangae</a:t>
+              <a:t>zwangbn</a:t>
+            </a:r>
+            <a:r>
+              <a:rPr lang="en-US" sz="1000" dirty="0">
+                <a:solidFill>
+                  <a:schemeClr val="bg1"/>
+                </a:solidFill>
+              </a:rPr>
+              <a:t>, </a:t>
+            </a:r>
+            <a:r>
+              <a:rPr lang="en-US" sz="1000" dirty="0" err="1">
+                <a:solidFill>
+                  <a:schemeClr val="bg1"/>
+                </a:solidFill>
+              </a:rPr>
+              <a:t>jxiangae</a:t>
             </a:r>
             <a:r>
               <a:rPr lang="en-US" sz="1000" dirty="0">
@@ -3706,7 +3990,7 @@
         <p:spPr>
           <a:xfrm>
             <a:off x="164895" y="1443396"/>
-            <a:ext cx="3794332" cy="983611"/>
+            <a:ext cx="3794332" cy="911677"/>
           </a:xfrm>
           <a:prstGeom prst="rect">
             <a:avLst/>
@@ -3738,8 +4022,15 @@
             <a:pPr algn="just"/>
             <a:r>
               <a:rPr lang="en-US" sz="1000" dirty="0"/>
-              <a:t>We have explored the base dataset of Home Credit Default Risk competition dataset. We did a detailed data cleaning, feature selection and built a prediction model. We noticed that the external resource score and days since when the applicant changed their application are significant to the model. </a:t>
-            </a:r>
+              <a:t>Based on the paper of re-imaging price trend, we try to predict the trend of stock based on the imagines provided by tutor. The main idea is that by leveraging CNN model, the trend </a:t>
+            </a:r>
+            <a:r>
+              <a:rPr lang="en-GB" sz="1000" b="0" i="0" u="none" strike="noStrike" baseline="0" dirty="0">
+                <a:latin typeface="CMR10"/>
+              </a:rPr>
+              <a:t>signals can be detected and provide the investors portable investing advices. </a:t>
+            </a:r>
+            <a:endParaRPr lang="en-US" sz="1000" dirty="0"/>
           </a:p>
         </p:txBody>
       </p:sp>
@@ -3788,7 +4079,7 @@
           <a:p>
             <a:r>
               <a:rPr lang="en-US" altLang="zh-CN" sz="1200" dirty="0"/>
-              <a:t>3. Feature Exploration</a:t>
+              <a:t>3. CNN Architecture</a:t>
             </a:r>
             <a:endParaRPr lang="en-US" sz="1200" dirty="0"/>
           </a:p>
@@ -3839,13 +4130,8 @@
           <a:p>
             <a:r>
               <a:rPr lang="en-US" sz="1200" dirty="0"/>
-              <a:t>5. Deal </a:t>
-            </a:r>
-            <a:r>
-              <a:rPr lang="en-US" sz="1200"/>
-              <a:t>with Unbalanced Data</a:t>
-            </a:r>
-            <a:endParaRPr lang="en-US" sz="1200" dirty="0"/>
+              <a:t>5. Model Tuning and Result</a:t>
+            </a:r>
           </a:p>
         </p:txBody>
       </p:sp>
@@ -3857,7 +4143,7 @@
         </p:nvSpPr>
         <p:spPr>
           <a:xfrm>
-            <a:off x="171870" y="2628337"/>
+            <a:off x="162871" y="2538264"/>
             <a:ext cx="3794332" cy="264920"/>
           </a:xfrm>
           <a:prstGeom prst="rect">
@@ -3902,7 +4188,7 @@
             </a:r>
             <a:r>
               <a:rPr lang="en-US" altLang="zh-CN" sz="1200" dirty="0"/>
-              <a:t>Data Cleaning and Feature Engineering</a:t>
+              <a:t>Data</a:t>
             </a:r>
             <a:endParaRPr lang="en-US" sz="1200" dirty="0"/>
           </a:p>
@@ -3916,8 +4202,8 @@
         </p:nvSpPr>
         <p:spPr>
           <a:xfrm>
-            <a:off x="171870" y="2893256"/>
-            <a:ext cx="3795690" cy="1818045"/>
+            <a:off x="171869" y="2803183"/>
+            <a:ext cx="2393713" cy="3772711"/>
           </a:xfrm>
           <a:prstGeom prst="rect">
             <a:avLst/>
@@ -3943,7 +4229,7 @@
           </a:fontRef>
         </p:style>
         <p:txBody>
-          <a:bodyPr rtlCol="0" anchor="ctr"/>
+          <a:bodyPr rtlCol="0" anchor="t"/>
           <a:lstStyle/>
           <a:p>
             <a:endParaRPr lang="en-US" sz="1000" b="1" dirty="0"/>
@@ -3960,24 +4246,8 @@
               <a:buChar char="Ø"/>
             </a:pPr>
             <a:r>
-              <a:rPr lang="en-US" sz="1000" dirty="0"/>
-              <a:t>The dataset we used is </a:t>
-            </a:r>
-            <a:r>
-              <a:rPr lang="en-US" sz="1000" dirty="0" err="1"/>
-              <a:t>application_train.csv</a:t>
-            </a:r>
-            <a:r>
-              <a:rPr lang="en-US" sz="1000" dirty="0"/>
-              <a:t> and </a:t>
-            </a:r>
-            <a:r>
-              <a:rPr lang="en-US" sz="1000" dirty="0" err="1"/>
-              <a:t>application_test.csv</a:t>
-            </a:r>
-            <a:r>
-              <a:rPr lang="en-US" sz="1000" dirty="0"/>
-              <a:t>. We combined the two dataset and separate in a later stage while training</a:t>
+              <a:rPr lang="en-GB" sz="1000" dirty="0"/>
+              <a:t>The sample runs from 1993-2019 shows daily opening, high, low prices. Each imagine in sample shows the trend in 20-day.</a:t>
             </a:r>
           </a:p>
           <a:p>
@@ -3986,8 +4256,8 @@
               <a:buChar char="Ø"/>
             </a:pPr>
             <a:r>
-              <a:rPr lang="en-US" sz="1000" dirty="0"/>
-              <a:t>There are 356k rows in the dataset and 220 columns in the beginning</a:t>
+              <a:rPr lang="en-GB" sz="1000" dirty="0"/>
+              <a:t>The resolution of all images is 64*60 with moving average lines(MA:51) and volume bars(VB:12).</a:t>
             </a:r>
           </a:p>
           <a:p>
@@ -3996,39 +4266,11 @@
               <a:buChar char="Ø"/>
             </a:pPr>
             <a:r>
-              <a:rPr lang="en-US" sz="1000" dirty="0"/>
-              <a:t>After the below cleaning and enrichment, we </a:t>
-            </a:r>
-            <a:r>
-              <a:rPr lang="en-US" sz="1000" dirty="0" err="1"/>
-              <a:t>stillhave</a:t>
-            </a:r>
-            <a:r>
-              <a:rPr lang="en-US" sz="1000" dirty="0"/>
-              <a:t> 220 columns which resulted by:</a:t>
-            </a:r>
-          </a:p>
-          <a:p>
-            <a:pPr marL="628650" lvl="1" indent="-171450">
-              <a:buFont typeface="Wingdings" pitchFamily="2" charset="2"/>
-              <a:buChar char="Ø"/>
-            </a:pPr>
-            <a:r>
-              <a:rPr lang="en-US" sz="1000" dirty="0"/>
-              <a:t>Having 52 columns removed because of missing values</a:t>
-            </a:r>
-          </a:p>
-          <a:p>
-            <a:pPr marL="628650" lvl="1" indent="-171450">
-              <a:buFont typeface="Wingdings" pitchFamily="2" charset="2"/>
-              <a:buChar char="Ø"/>
-            </a:pPr>
-            <a:r>
-              <a:rPr lang="en-US" sz="1000" dirty="0"/>
-              <a:t>Having 52 columns added as enrichment features</a:t>
-            </a:r>
-          </a:p>
-          <a:p>
+              <a:rPr lang="en-GB" sz="1000" b="0" i="0" u="none" strike="noStrike" baseline="0" dirty="0">
+                <a:latin typeface="CMR10"/>
+              </a:rPr>
+              <a:t>The column named Retx_20d_label is used as the label of our classification model, in which 1 for positive returns and 0 for nonpositive returns.</a:t>
+            </a:r>
             <a:endParaRPr lang="en-US" sz="1000" dirty="0"/>
           </a:p>
           <a:p>
@@ -4044,8 +4286,8 @@
         </p:nvSpPr>
         <p:spPr>
           <a:xfrm>
-            <a:off x="8227241" y="1449596"/>
-            <a:ext cx="3794332" cy="1596270"/>
+            <a:off x="8227241" y="1449595"/>
+            <a:ext cx="3794332" cy="5066030"/>
           </a:xfrm>
           <a:prstGeom prst="rect">
             <a:avLst/>
@@ -4071,60 +4313,528 @@
           </a:fontRef>
         </p:style>
         <p:txBody>
+          <a:bodyPr rtlCol="0" anchor="t"/>
+          <a:lstStyle/>
+          <a:p>
+            <a:pPr marL="171450" indent="-171450" algn="just">
+              <a:buFont typeface="Wingdings" pitchFamily="2" charset="2"/>
+              <a:buChar char="Ø"/>
+            </a:pPr>
+            <a:r>
+              <a:rPr lang="en-US" sz="900" dirty="0"/>
+              <a:t>We tried to removed the soft max layer, because the input data dimension is already 64, if we use too much soft max layer, the information will be lost. After removing the soft max layer, both training, testing and validation accuracy increased, and entropy significantly decreased</a:t>
+            </a:r>
+          </a:p>
+          <a:p>
+            <a:pPr marL="171450" indent="-171450" algn="just">
+              <a:buFont typeface="Wingdings" pitchFamily="2" charset="2"/>
+              <a:buChar char="Ø"/>
+            </a:pPr>
+            <a:r>
+              <a:rPr lang="en-US" sz="900" dirty="0"/>
+              <a:t>We also removed the dilution in the 2</a:t>
+            </a:r>
+            <a:r>
+              <a:rPr lang="en-US" sz="900" baseline="30000" dirty="0"/>
+              <a:t>nd</a:t>
+            </a:r>
+            <a:r>
+              <a:rPr lang="en-US" sz="900" dirty="0"/>
+              <a:t> layer for similar reason. A slight increase in accuracy and drop in entropy can be seen</a:t>
+            </a:r>
+          </a:p>
+          <a:p>
+            <a:pPr marL="171450" indent="-171450" algn="just">
+              <a:buFont typeface="Wingdings" pitchFamily="2" charset="2"/>
+              <a:buChar char="Ø"/>
+            </a:pPr>
+            <a:r>
+              <a:rPr lang="en-US" sz="900" dirty="0"/>
+              <a:t>RMS Prop uses uses a moving average of squared gradients to prevent the model going too far to the wrong direction. We can see that after using this, the training accuracy decreased but testing entropy decreased. Meaning it helped reduce the overfitting of the training stage</a:t>
+            </a:r>
+          </a:p>
+          <a:p>
+            <a:pPr marL="171450" indent="-171450" algn="just">
+              <a:buFont typeface="Wingdings" pitchFamily="2" charset="2"/>
+              <a:buChar char="Ø"/>
+            </a:pPr>
+            <a:r>
+              <a:rPr lang="en-US" sz="900" dirty="0"/>
+              <a:t>Adam combines the advantages of Momentum and RMS Prop, using a smoothed gradient instead of the initial gradient. You can see that after using Adam, both the accuracy of training and testing increased, and it reached the lowest entropy for the validation set. </a:t>
+            </a:r>
+          </a:p>
+          <a:p>
+            <a:pPr algn="just"/>
+            <a:endParaRPr lang="en-US" sz="900" dirty="0"/>
+          </a:p>
+          <a:p>
+            <a:pPr algn="just"/>
+            <a:r>
+              <a:rPr lang="en-US" sz="900" dirty="0"/>
+              <a:t>In conclusion, Adam has been the best model for this project, and removing too much processing layers such as Soft Max Dilution will help to retain useful information from the data. </a:t>
+            </a:r>
+          </a:p>
+          <a:p>
+            <a:pPr marL="171450" indent="-171450" algn="just">
+              <a:buFont typeface="Wingdings" pitchFamily="2" charset="2"/>
+              <a:buChar char="Ø"/>
+            </a:pPr>
+            <a:endParaRPr lang="en-US" sz="900" dirty="0"/>
+          </a:p>
+          <a:p>
+            <a:pPr marL="171450" indent="-171450" algn="just">
+              <a:buFont typeface="Wingdings" pitchFamily="2" charset="2"/>
+              <a:buChar char="Ø"/>
+            </a:pPr>
+            <a:endParaRPr lang="en-US" sz="900" dirty="0"/>
+          </a:p>
+        </p:txBody>
+      </p:sp>
+      <p:sp>
+        <p:nvSpPr>
+          <p:cNvPr id="29" name="Rectangle 28"/>
+          <p:cNvSpPr/>
+          <p:nvPr/>
+        </p:nvSpPr>
+        <p:spPr>
+          <a:xfrm>
+            <a:off x="4215032" y="6078501"/>
+            <a:ext cx="3773842" cy="437124"/>
+          </a:xfrm>
+          <a:prstGeom prst="rect">
+            <a:avLst/>
+          </a:prstGeom>
+          <a:ln>
+            <a:solidFill>
+              <a:srgbClr val="7030A0"/>
+            </a:solidFill>
+          </a:ln>
+        </p:spPr>
+        <p:style>
+          <a:lnRef idx="2">
+            <a:schemeClr val="dk1"/>
+          </a:lnRef>
+          <a:fillRef idx="1">
+            <a:schemeClr val="lt1"/>
+          </a:fillRef>
+          <a:effectRef idx="0">
+            <a:schemeClr val="dk1"/>
+          </a:effectRef>
+          <a:fontRef idx="minor">
+            <a:schemeClr val="dk1"/>
+          </a:fontRef>
+        </p:style>
+        <p:txBody>
           <a:bodyPr rtlCol="0" anchor="ctr"/>
           <a:lstStyle/>
           <a:p>
             <a:pPr algn="just"/>
             <a:r>
-              <a:rPr lang="en-US" sz="900" dirty="0"/>
-              <a:t>With two different classes of target (at-risk and no-risk), the training data is biased with a ratio of almost 10:1 no-risk </a:t>
-            </a:r>
-            <a:r>
-              <a:rPr lang="en-US" sz="900" dirty="0" err="1"/>
-              <a:t>v.s</a:t>
-            </a:r>
-            <a:r>
-              <a:rPr lang="en-US" sz="900" dirty="0"/>
-              <a:t>. at-risk. Therefore, the prediction on at-risk classes will be highly deviated if we directly use all the training data without dealing with the unbiased distribution.</a:t>
-            </a:r>
+              <a:rPr lang="en-US" altLang="zh-CN" sz="1000" dirty="0"/>
+              <a:t>Base Model: XIANG </a:t>
+            </a:r>
+            <a:r>
+              <a:rPr lang="en-US" altLang="zh-CN" sz="1000" dirty="0" err="1"/>
+              <a:t>Jixiang</a:t>
+            </a:r>
+            <a:endParaRPr lang="en-US" altLang="zh-CN" sz="1000" dirty="0"/>
           </a:p>
           <a:p>
             <a:pPr algn="just"/>
             <a:r>
-              <a:rPr lang="en-US" sz="900" dirty="0"/>
-              <a:t>With the base line accuracy being 92% and the balanced accuracy being 50.2%, we tried two methods to deal with the bias:</a:t>
-            </a:r>
-          </a:p>
-          <a:p>
-            <a:pPr marL="228600" indent="-228600" algn="just">
-              <a:buAutoNum type="arabicPeriod"/>
-            </a:pPr>
-            <a:r>
-              <a:rPr lang="en-US" sz="900" dirty="0"/>
-              <a:t>SMOTE. The returned accuracy is 80% and the balanced accuracy is 58.9%</a:t>
-            </a:r>
-          </a:p>
-          <a:p>
-            <a:pPr marL="228600" indent="-228600" algn="just">
-              <a:buFontTx/>
-              <a:buAutoNum type="arabicPeriod"/>
-            </a:pPr>
-            <a:r>
-              <a:rPr lang="en-US" sz="900" dirty="0"/>
-              <a:t>Under Sampling. The returned accuracy is 66.7% and the balanced accuracy is 66.4%</a:t>
-            </a:r>
-          </a:p>
-        </p:txBody>
-      </p:sp>
-      <p:sp>
-        <p:nvSpPr>
-          <p:cNvPr id="20" name="Rectangle 19"/>
+              <a:rPr lang="en-US" altLang="zh-CN" sz="1000" dirty="0"/>
+              <a:t>Tuning Model &amp; GPU Set up: Ziyi WANG</a:t>
+            </a:r>
+          </a:p>
+        </p:txBody>
+      </p:sp>
+      <p:sp>
+        <p:nvSpPr>
+          <p:cNvPr id="30" name="Rectangle 29"/>
           <p:cNvSpPr/>
           <p:nvPr/>
         </p:nvSpPr>
         <p:spPr>
           <a:xfrm>
-            <a:off x="8217966" y="3183686"/>
+            <a:off x="4215032" y="5845046"/>
+            <a:ext cx="3773842" cy="233454"/>
+          </a:xfrm>
+          <a:prstGeom prst="rect">
+            <a:avLst/>
+          </a:prstGeom>
+          <a:solidFill>
+            <a:srgbClr val="7030A0"/>
+          </a:solidFill>
+          <a:ln>
+            <a:solidFill>
+              <a:srgbClr val="7030A0"/>
+            </a:solidFill>
+          </a:ln>
+        </p:spPr>
+        <p:style>
+          <a:lnRef idx="2">
+            <a:schemeClr val="accent1">
+              <a:shade val="50000"/>
+            </a:schemeClr>
+          </a:lnRef>
+          <a:fillRef idx="1">
+            <a:schemeClr val="accent1"/>
+          </a:fillRef>
+          <a:effectRef idx="0">
+            <a:schemeClr val="accent1"/>
+          </a:effectRef>
+          <a:fontRef idx="minor">
+            <a:schemeClr val="lt1"/>
+          </a:fontRef>
+        </p:style>
+        <p:txBody>
+          <a:bodyPr rtlCol="0" anchor="ctr"/>
+          <a:lstStyle/>
+          <a:p>
+            <a:r>
+              <a:rPr lang="en-US" sz="1200" dirty="0"/>
+              <a:t>6.  </a:t>
+            </a:r>
+            <a:r>
+              <a:rPr lang="en-US" altLang="zh-CN" sz="1200" dirty="0"/>
+              <a:t>Contribution</a:t>
+            </a:r>
+            <a:endParaRPr lang="en-US" sz="1200" dirty="0"/>
+          </a:p>
+        </p:txBody>
+      </p:sp>
+      <p:pic>
+        <p:nvPicPr>
+          <p:cNvPr id="4" name="圖片 3">
+            <a:extLst>
+              <a:ext uri="{FF2B5EF4-FFF2-40B4-BE49-F238E27FC236}">
+                <a16:creationId xmlns:a16="http://schemas.microsoft.com/office/drawing/2014/main" id="{BB6BAAF0-AE30-41B9-81AC-CA1CC0A2576D}"/>
+              </a:ext>
+            </a:extLst>
+          </p:cNvPr>
+          <p:cNvPicPr>
+            <a:picLocks noChangeAspect="1"/>
+          </p:cNvPicPr>
+          <p:nvPr/>
+        </p:nvPicPr>
+        <p:blipFill>
+          <a:blip r:embed="rId3"/>
+          <a:stretch>
+            <a:fillRect/>
+          </a:stretch>
+        </p:blipFill>
+        <p:spPr>
+          <a:xfrm>
+            <a:off x="712975" y="4999630"/>
+            <a:ext cx="1301427" cy="1359788"/>
+          </a:xfrm>
+          <a:prstGeom prst="rect">
+            <a:avLst/>
+          </a:prstGeom>
+        </p:spPr>
+      </p:pic>
+      <p:pic>
+        <p:nvPicPr>
+          <p:cNvPr id="6" name="圖片 5">
+            <a:extLst>
+              <a:ext uri="{FF2B5EF4-FFF2-40B4-BE49-F238E27FC236}">
+                <a16:creationId xmlns:a16="http://schemas.microsoft.com/office/drawing/2014/main" id="{33DE0843-7344-449B-A640-596AAD63EBA0}"/>
+              </a:ext>
+            </a:extLst>
+          </p:cNvPr>
+          <p:cNvPicPr>
+            <a:picLocks noChangeAspect="1"/>
+          </p:cNvPicPr>
+          <p:nvPr/>
+        </p:nvPicPr>
+        <p:blipFill>
+          <a:blip r:embed="rId4"/>
+          <a:stretch>
+            <a:fillRect/>
+          </a:stretch>
+        </p:blipFill>
+        <p:spPr>
+          <a:xfrm>
+            <a:off x="2574580" y="3009043"/>
+            <a:ext cx="1631454" cy="3129728"/>
+          </a:xfrm>
+          <a:prstGeom prst="rect">
+            <a:avLst/>
+          </a:prstGeom>
+        </p:spPr>
+      </p:pic>
+      <p:sp>
+        <p:nvSpPr>
+          <p:cNvPr id="10" name="Rectangle 13">
+            <a:extLst>
+              <a:ext uri="{FF2B5EF4-FFF2-40B4-BE49-F238E27FC236}">
+                <a16:creationId xmlns:a16="http://schemas.microsoft.com/office/drawing/2014/main" id="{13936DCE-51BC-4192-95C5-8D9F2A3F473D}"/>
+              </a:ext>
+            </a:extLst>
+          </p:cNvPr>
+          <p:cNvSpPr/>
+          <p:nvPr/>
+        </p:nvSpPr>
+        <p:spPr>
+          <a:xfrm>
+            <a:off x="4196068" y="1443396"/>
+            <a:ext cx="3794332" cy="2154998"/>
+          </a:xfrm>
+          <a:prstGeom prst="rect">
+            <a:avLst/>
+          </a:prstGeom>
+          <a:ln>
+            <a:solidFill>
+              <a:srgbClr val="7030A0"/>
+            </a:solidFill>
+          </a:ln>
+        </p:spPr>
+        <p:style>
+          <a:lnRef idx="2">
+            <a:schemeClr val="dk1"/>
+          </a:lnRef>
+          <a:fillRef idx="1">
+            <a:schemeClr val="lt1"/>
+          </a:fillRef>
+          <a:effectRef idx="0">
+            <a:schemeClr val="dk1"/>
+          </a:effectRef>
+          <a:fontRef idx="minor">
+            <a:schemeClr val="dk1"/>
+          </a:fontRef>
+        </p:style>
+        <p:txBody>
+          <a:bodyPr rtlCol="0" anchor="ctr"/>
+          <a:lstStyle/>
+          <a:p>
+            <a:pPr algn="just"/>
+            <a:r>
+              <a:rPr lang="en-US" sz="900" dirty="0"/>
+              <a:t>Following the architecture designed in the paper, there are 3 CNN building blocks and 1 Fully Connected layer.</a:t>
+            </a:r>
+          </a:p>
+          <a:p>
+            <a:pPr marL="171450" indent="-171450" algn="just">
+              <a:buFont typeface="Wingdings" panose="05000000000000000000" pitchFamily="2" charset="2"/>
+              <a:buChar char="Ø"/>
+            </a:pPr>
+            <a:r>
+              <a:rPr lang="en-US" sz="900" dirty="0"/>
+              <a:t>For 1st CNNN block, there are 3 components:</a:t>
+            </a:r>
+          </a:p>
+          <a:p>
+            <a:pPr marL="628650" lvl="1" indent="-171450" algn="just">
+              <a:buFont typeface="Wingdings" panose="05000000000000000000" pitchFamily="2" charset="2"/>
+              <a:buChar char="Ø"/>
+            </a:pPr>
+            <a:r>
+              <a:rPr lang="en-US" sz="900" dirty="0"/>
+              <a:t>Conv2d with kernel being (5,3), stride being (2,1), and dilution being (2,1)</a:t>
+            </a:r>
+          </a:p>
+          <a:p>
+            <a:pPr marL="628650" lvl="1" indent="-171450" algn="just">
+              <a:buFont typeface="Wingdings" panose="05000000000000000000" pitchFamily="2" charset="2"/>
+              <a:buChar char="Ø"/>
+            </a:pPr>
+            <a:r>
+              <a:rPr lang="en-US" sz="900" dirty="0"/>
+              <a:t>Leaky </a:t>
+            </a:r>
+            <a:r>
+              <a:rPr lang="en-US" sz="900" dirty="0" err="1"/>
+              <a:t>relu</a:t>
+            </a:r>
+            <a:r>
+              <a:rPr lang="en-US" sz="900" dirty="0"/>
+              <a:t> layer with negative slope being 0.01</a:t>
+            </a:r>
+          </a:p>
+          <a:p>
+            <a:pPr marL="628650" lvl="1" indent="-171450" algn="just">
+              <a:buFont typeface="Wingdings" panose="05000000000000000000" pitchFamily="2" charset="2"/>
+              <a:buChar char="Ø"/>
+            </a:pPr>
+            <a:r>
+              <a:rPr lang="en-US" sz="900" dirty="0"/>
+              <a:t>Maxpool2d layer with kernel being (2,1)</a:t>
+            </a:r>
+          </a:p>
+          <a:p>
+            <a:pPr marL="171450" indent="-171450" algn="just">
+              <a:buFont typeface="Wingdings" panose="05000000000000000000" pitchFamily="2" charset="2"/>
+              <a:buChar char="Ø"/>
+            </a:pPr>
+            <a:r>
+              <a:rPr lang="en-US" sz="900" dirty="0"/>
+              <a:t>F</a:t>
+            </a:r>
+            <a:r>
+              <a:rPr lang="en-GB" sz="900" dirty="0"/>
+              <a:t>or</a:t>
+            </a:r>
+            <a:r>
+              <a:rPr lang="zh-CN" altLang="en-US" sz="900" dirty="0"/>
+              <a:t> </a:t>
+            </a:r>
+            <a:r>
+              <a:rPr lang="en-GB" altLang="zh-CN" sz="900" dirty="0"/>
+              <a:t>2</a:t>
+            </a:r>
+            <a:r>
+              <a:rPr lang="en-GB" altLang="zh-CN" sz="900" baseline="30000" dirty="0"/>
+              <a:t>nd</a:t>
+            </a:r>
+            <a:r>
+              <a:rPr lang="zh-CN" altLang="en-US" sz="900" dirty="0"/>
+              <a:t> </a:t>
+            </a:r>
+            <a:r>
+              <a:rPr lang="en-GB" altLang="zh-CN" sz="900" dirty="0"/>
+              <a:t>and</a:t>
+            </a:r>
+            <a:r>
+              <a:rPr lang="zh-CN" altLang="en-US" sz="900" dirty="0"/>
+              <a:t> </a:t>
+            </a:r>
+            <a:r>
+              <a:rPr lang="en-GB" altLang="zh-CN" sz="900" dirty="0"/>
+              <a:t>3</a:t>
+            </a:r>
+            <a:r>
+              <a:rPr lang="en-GB" altLang="zh-CN" sz="900" baseline="30000" dirty="0"/>
+              <a:t>rd</a:t>
+            </a:r>
+            <a:r>
+              <a:rPr lang="zh-CN" altLang="en-US" sz="900" dirty="0"/>
+              <a:t> </a:t>
+            </a:r>
+            <a:r>
+              <a:rPr lang="en-GB" altLang="zh-CN" sz="900" dirty="0"/>
+              <a:t>layers,</a:t>
+            </a:r>
+            <a:r>
+              <a:rPr lang="zh-CN" altLang="en-US" sz="900" dirty="0"/>
+              <a:t> </a:t>
+            </a:r>
+            <a:r>
+              <a:rPr lang="en-GB" altLang="zh-CN" sz="900" dirty="0"/>
+              <a:t>we</a:t>
+            </a:r>
+            <a:r>
+              <a:rPr lang="zh-CN" altLang="en-US" sz="900" dirty="0"/>
+              <a:t> </a:t>
+            </a:r>
+            <a:r>
+              <a:rPr lang="en-GB" altLang="zh-CN" sz="900" dirty="0"/>
+              <a:t>used</a:t>
+            </a:r>
+            <a:r>
+              <a:rPr lang="zh-CN" altLang="en-US" sz="900" dirty="0"/>
+              <a:t> </a:t>
+            </a:r>
+            <a:r>
+              <a:rPr lang="en-GB" altLang="zh-CN" sz="900" dirty="0"/>
+              <a:t>the</a:t>
+            </a:r>
+            <a:r>
+              <a:rPr lang="zh-CN" altLang="en-US" sz="900" dirty="0"/>
+              <a:t> </a:t>
+            </a:r>
+            <a:r>
+              <a:rPr lang="en-GB" altLang="zh-CN" sz="900" dirty="0"/>
+              <a:t>similar CNN blocks with the 1</a:t>
+            </a:r>
+            <a:r>
+              <a:rPr lang="en-GB" altLang="zh-CN" sz="900" baseline="30000" dirty="0"/>
+              <a:t>st</a:t>
+            </a:r>
+            <a:r>
+              <a:rPr lang="en-GB" altLang="zh-CN" sz="900" dirty="0"/>
+              <a:t> layer. The only difference between those two types of blocks is:</a:t>
+            </a:r>
+          </a:p>
+          <a:p>
+            <a:pPr marL="628650" lvl="1" indent="-171450" algn="just">
+              <a:buFont typeface="Wingdings" panose="05000000000000000000" pitchFamily="2" charset="2"/>
+              <a:buChar char="Ø"/>
+            </a:pPr>
+            <a:r>
+              <a:rPr lang="en-GB" sz="900" dirty="0"/>
+              <a:t>Dilution being (1,1)</a:t>
+            </a:r>
+          </a:p>
+          <a:p>
+            <a:pPr marL="171450" indent="-171450" algn="just">
+              <a:buFont typeface="Wingdings" panose="05000000000000000000" pitchFamily="2" charset="2"/>
+              <a:buChar char="Ø"/>
+            </a:pPr>
+            <a:r>
+              <a:rPr lang="en-GB" sz="900" dirty="0"/>
+              <a:t>After 3 blocks of CNN, all parameters are connected by using one fully connected layer with the number of </a:t>
+            </a:r>
+            <a:r>
+              <a:rPr lang="en-GB" sz="900" dirty="0" err="1"/>
+              <a:t>out_feature</a:t>
+            </a:r>
+            <a:r>
+              <a:rPr lang="en-GB" sz="900" dirty="0"/>
+              <a:t> being 3, which is the number of classes contained in column ‘</a:t>
+            </a:r>
+            <a:r>
+              <a:rPr lang="en-GB" sz="900" b="0" i="0" u="none" strike="noStrike" baseline="0" dirty="0">
+                <a:latin typeface="CMR10"/>
+              </a:rPr>
+              <a:t>Retx_20d_label‘.</a:t>
+            </a:r>
+          </a:p>
+          <a:p>
+            <a:pPr marL="171450" indent="-171450" algn="just">
+              <a:buFont typeface="Wingdings" panose="05000000000000000000" pitchFamily="2" charset="2"/>
+              <a:buChar char="Ø"/>
+            </a:pPr>
+            <a:r>
+              <a:rPr lang="en-GB" sz="900" dirty="0">
+                <a:latin typeface="CMR10"/>
+              </a:rPr>
+              <a:t>The last layer of the whole neural network is </a:t>
+            </a:r>
+            <a:r>
+              <a:rPr lang="en-GB" sz="900" dirty="0" err="1">
+                <a:latin typeface="CMR10"/>
+              </a:rPr>
+              <a:t>softmax</a:t>
+            </a:r>
+            <a:r>
+              <a:rPr lang="en-GB" sz="900" dirty="0">
+                <a:latin typeface="CMR10"/>
+              </a:rPr>
+              <a:t> layer.</a:t>
+            </a:r>
+            <a:endParaRPr lang="en-US" sz="900" dirty="0"/>
+          </a:p>
+          <a:p>
+            <a:pPr algn="just"/>
+            <a:endParaRPr lang="en-US" sz="900" dirty="0"/>
+          </a:p>
+        </p:txBody>
+      </p:sp>
+      <p:sp>
+        <p:nvSpPr>
+          <p:cNvPr id="12" name="Rectangle 17">
+            <a:extLst>
+              <a:ext uri="{FF2B5EF4-FFF2-40B4-BE49-F238E27FC236}">
+                <a16:creationId xmlns:a16="http://schemas.microsoft.com/office/drawing/2014/main" id="{1149FD1C-DD7B-48DE-B76B-03A09CB15985}"/>
+              </a:ext>
+            </a:extLst>
+          </p:cNvPr>
+          <p:cNvSpPr/>
+          <p:nvPr/>
+        </p:nvSpPr>
+        <p:spPr>
+          <a:xfrm>
+            <a:off x="4215032" y="3806775"/>
             <a:ext cx="3794332" cy="264920"/>
           </a:xfrm>
           <a:prstGeom prst="rect">
@@ -4160,22 +4870,29 @@
           <a:lstStyle/>
           <a:p>
             <a:r>
-              <a:rPr lang="en-US" sz="1200" dirty="0"/>
-              <a:t>6. Conclusion</a:t>
-            </a:r>
-          </a:p>
-        </p:txBody>
-      </p:sp>
-      <p:sp>
-        <p:nvSpPr>
-          <p:cNvPr id="22" name="Rectangle 21"/>
+              <a:rPr lang="en-US" altLang="zh-CN" sz="1200" dirty="0"/>
+              <a:t>4. Loss Function and Optimizer</a:t>
+            </a:r>
+            <a:endParaRPr lang="en-US" sz="1200" dirty="0"/>
+          </a:p>
+        </p:txBody>
+      </p:sp>
+      <p:sp>
+        <p:nvSpPr>
+          <p:cNvPr id="15" name="Rectangle 13">
+            <a:extLst>
+              <a:ext uri="{FF2B5EF4-FFF2-40B4-BE49-F238E27FC236}">
+                <a16:creationId xmlns:a16="http://schemas.microsoft.com/office/drawing/2014/main" id="{7E45AD05-EDAD-40E8-891D-1B58B5010A4D}"/>
+              </a:ext>
+            </a:extLst>
+          </p:cNvPr>
           <p:cNvSpPr/>
           <p:nvPr/>
         </p:nvSpPr>
         <p:spPr>
           <a:xfrm>
-            <a:off x="4188643" y="4360373"/>
-            <a:ext cx="3794331" cy="556299"/>
+            <a:off x="4215032" y="4071695"/>
+            <a:ext cx="3794332" cy="1283137"/>
           </a:xfrm>
           <a:prstGeom prst="rect">
             <a:avLst/>
@@ -4204,535 +4921,1412 @@
           <a:bodyPr rtlCol="0" anchor="ctr"/>
           <a:lstStyle/>
           <a:p>
-            <a:pPr algn="just"/>
-            <a:r>
-              <a:rPr lang="en-US" altLang="zh-CN" sz="900" dirty="0"/>
-              <a:t>We first train the model with all features and get a baseline model to predict the credit risk. By plotting out the importance of the feature used in this model, we can find 10 features which contribute more to the model.</a:t>
-            </a:r>
-            <a:endParaRPr lang="en-US" sz="900" dirty="0"/>
-          </a:p>
-        </p:txBody>
-      </p:sp>
-      <p:sp>
-        <p:nvSpPr>
-          <p:cNvPr id="23" name="Rectangle 22"/>
-          <p:cNvSpPr/>
-          <p:nvPr/>
-        </p:nvSpPr>
-        <p:spPr>
-          <a:xfrm>
-            <a:off x="4188643" y="4086461"/>
-            <a:ext cx="3801754" cy="264920"/>
-          </a:xfrm>
-          <a:prstGeom prst="rect">
-            <a:avLst/>
-          </a:prstGeom>
-          <a:solidFill>
-            <a:srgbClr val="7030A0"/>
-          </a:solidFill>
-          <a:ln>
-            <a:solidFill>
-              <a:srgbClr val="7030A0"/>
-            </a:solidFill>
-          </a:ln>
-        </p:spPr>
-        <p:style>
-          <a:lnRef idx="2">
-            <a:schemeClr val="accent1">
-              <a:shade val="50000"/>
-            </a:schemeClr>
-          </a:lnRef>
-          <a:fillRef idx="1">
-            <a:schemeClr val="accent1"/>
-          </a:fillRef>
-          <a:effectRef idx="0">
-            <a:schemeClr val="accent1"/>
-          </a:effectRef>
-          <a:fontRef idx="minor">
-            <a:schemeClr val="lt1"/>
-          </a:fontRef>
-        </p:style>
-        <p:txBody>
-          <a:bodyPr rtlCol="0" anchor="ctr"/>
-          <a:lstStyle/>
-          <a:p>
-            <a:r>
-              <a:rPr lang="en-US" sz="1200" dirty="0"/>
-              <a:t>4. Feature Selection</a:t>
-            </a:r>
-          </a:p>
-        </p:txBody>
-      </p:sp>
-      <p:sp>
-        <p:nvSpPr>
-          <p:cNvPr id="25" name="Rectangle 24"/>
-          <p:cNvSpPr/>
-          <p:nvPr/>
-        </p:nvSpPr>
-        <p:spPr>
-          <a:xfrm>
-            <a:off x="4195124" y="1443396"/>
-            <a:ext cx="1810456" cy="2252816"/>
-          </a:xfrm>
-          <a:prstGeom prst="rect">
-            <a:avLst/>
-          </a:prstGeom>
-          <a:ln>
-            <a:solidFill>
-              <a:srgbClr val="7030A0"/>
-            </a:solidFill>
-          </a:ln>
-        </p:spPr>
-        <p:style>
-          <a:lnRef idx="2">
-            <a:schemeClr val="dk1"/>
-          </a:lnRef>
-          <a:fillRef idx="1">
-            <a:schemeClr val="lt1"/>
-          </a:fillRef>
-          <a:effectRef idx="0">
-            <a:schemeClr val="dk1"/>
-          </a:effectRef>
-          <a:fontRef idx="minor">
-            <a:schemeClr val="dk1"/>
-          </a:fontRef>
-        </p:style>
-        <p:txBody>
-          <a:bodyPr rtlCol="0" anchor="ctr"/>
-          <a:lstStyle/>
-          <a:p>
-            <a:pPr algn="just"/>
-            <a:r>
-              <a:rPr lang="en-US" sz="1000" dirty="0"/>
-              <a:t>In order to understand the features before training the model, we looked at the top 10 correlated features with the target. </a:t>
-            </a:r>
-          </a:p>
-          <a:p>
-            <a:pPr algn="just"/>
-            <a:endParaRPr lang="en-US" sz="1000" dirty="0"/>
-          </a:p>
-          <a:p>
-            <a:pPr algn="just"/>
-            <a:r>
-              <a:rPr lang="en-US" sz="1000" dirty="0"/>
-              <a:t>The features appears to be less obviously correlated with the target, which indicates that we need to use multiple features to achieve the prediction purpose. </a:t>
-            </a:r>
-          </a:p>
-        </p:txBody>
-      </p:sp>
-      <p:sp>
-        <p:nvSpPr>
-          <p:cNvPr id="26" name="Rectangle 25"/>
-          <p:cNvSpPr/>
-          <p:nvPr/>
-        </p:nvSpPr>
-        <p:spPr>
-          <a:xfrm>
-            <a:off x="8217961" y="3447003"/>
-            <a:ext cx="3794332" cy="2320493"/>
-          </a:xfrm>
-          <a:prstGeom prst="rect">
-            <a:avLst/>
-          </a:prstGeom>
-          <a:ln>
-            <a:solidFill>
-              <a:srgbClr val="7030A0"/>
-            </a:solidFill>
-          </a:ln>
-        </p:spPr>
-        <p:style>
-          <a:lnRef idx="2">
-            <a:schemeClr val="dk1"/>
-          </a:lnRef>
-          <a:fillRef idx="1">
-            <a:schemeClr val="lt1"/>
-          </a:fillRef>
-          <a:effectRef idx="0">
-            <a:schemeClr val="dk1"/>
-          </a:effectRef>
-          <a:fontRef idx="minor">
-            <a:schemeClr val="dk1"/>
-          </a:fontRef>
-        </p:style>
-        <p:txBody>
-          <a:bodyPr rtlCol="0" anchor="ctr"/>
-          <a:lstStyle/>
-          <a:p>
-            <a:pPr algn="just"/>
-            <a:r>
-              <a:rPr lang="en-US" sz="1000" dirty="0"/>
-              <a:t>Due to the biased nature of training data, although the accuracy of the classification model can reach at 92% accuracy even though we do nothing to the training data, the balanced accuracy is nearly random guess. And for a unbalanced dataset, balanced accuracy ((TPR + TNR)/2) is far more important.</a:t>
-            </a:r>
-          </a:p>
-          <a:p>
-            <a:pPr algn="just"/>
-            <a:endParaRPr lang="en-US" sz="1000" dirty="0"/>
-          </a:p>
-          <a:p>
-            <a:pPr algn="just"/>
-            <a:r>
-              <a:rPr lang="en-US" sz="1000" dirty="0"/>
-              <a:t>Choosing only the highly correlated features will increase the balanced accuracy from 50.2% to 50.7%. Based on the selected features, using SMOTE will increase the balanced accuracy from 50.7% to 58.9% while using under sampling can increase the balanced accuracy from 58.9% to 66.4%.</a:t>
-            </a:r>
-          </a:p>
-          <a:p>
-            <a:pPr algn="just"/>
-            <a:endParaRPr lang="en-US" sz="1000" dirty="0"/>
-          </a:p>
-          <a:p>
-            <a:pPr algn="just"/>
-            <a:r>
-              <a:rPr lang="en-US" sz="1000" dirty="0"/>
-              <a:t>Hence, using only features with high correlation and using under sampling will help build the random forest classification model.</a:t>
-            </a:r>
-          </a:p>
-        </p:txBody>
-      </p:sp>
-      <p:pic>
-        <p:nvPicPr>
-          <p:cNvPr id="28" name="Picture 27"/>
-          <p:cNvPicPr>
-            <a:picLocks noChangeAspect="1"/>
-          </p:cNvPicPr>
-          <p:nvPr/>
-        </p:nvPicPr>
-        <p:blipFill>
-          <a:blip r:embed="rId3"/>
-          <a:srcRect/>
-          <a:stretch/>
-        </p:blipFill>
-        <p:spPr>
-          <a:xfrm>
-            <a:off x="6210729" y="1449513"/>
-            <a:ext cx="1778591" cy="1852907"/>
-          </a:xfrm>
-          <a:prstGeom prst="rect">
-            <a:avLst/>
-          </a:prstGeom>
-          <a:solidFill>
-            <a:srgbClr val="7030A0"/>
-          </a:solidFill>
-          <a:ln>
-            <a:solidFill>
-              <a:srgbClr val="7030A0"/>
-            </a:solidFill>
-          </a:ln>
-        </p:spPr>
-      </p:pic>
-      <p:sp>
-        <p:nvSpPr>
-          <p:cNvPr id="27" name="Rounded Rectangle 26"/>
-          <p:cNvSpPr/>
-          <p:nvPr/>
-        </p:nvSpPr>
-        <p:spPr>
-          <a:xfrm>
-            <a:off x="6228302" y="3429000"/>
-            <a:ext cx="1761018" cy="530881"/>
-          </a:xfrm>
-          <a:prstGeom prst="roundRect">
-            <a:avLst/>
-          </a:prstGeom>
-          <a:ln>
-            <a:solidFill>
-              <a:srgbClr val="7030A0"/>
-            </a:solidFill>
-          </a:ln>
-        </p:spPr>
-        <p:style>
-          <a:lnRef idx="2">
-            <a:schemeClr val="accent4">
-              <a:shade val="50000"/>
-            </a:schemeClr>
-          </a:lnRef>
-          <a:fillRef idx="1">
-            <a:schemeClr val="accent4"/>
-          </a:fillRef>
-          <a:effectRef idx="0">
-            <a:schemeClr val="accent4"/>
-          </a:effectRef>
-          <a:fontRef idx="minor">
-            <a:schemeClr val="lt1"/>
-          </a:fontRef>
-        </p:style>
-        <p:txBody>
-          <a:bodyPr rtlCol="0" anchor="ctr"/>
-          <a:lstStyle/>
-          <a:p>
-            <a:pPr algn="ctr"/>
-            <a:r>
-              <a:rPr lang="en-US" sz="1000" dirty="0"/>
-              <a:t>Top 10 features that are linearly correlated to the target</a:t>
-            </a:r>
-          </a:p>
-        </p:txBody>
-      </p:sp>
-      <p:sp>
-        <p:nvSpPr>
-          <p:cNvPr id="29" name="Rectangle 28"/>
-          <p:cNvSpPr/>
-          <p:nvPr/>
-        </p:nvSpPr>
-        <p:spPr>
-          <a:xfrm>
-            <a:off x="8238451" y="6138771"/>
-            <a:ext cx="3773842" cy="437124"/>
-          </a:xfrm>
-          <a:prstGeom prst="rect">
-            <a:avLst/>
-          </a:prstGeom>
-          <a:ln>
-            <a:solidFill>
-              <a:srgbClr val="7030A0"/>
-            </a:solidFill>
-          </a:ln>
-        </p:spPr>
-        <p:style>
-          <a:lnRef idx="2">
-            <a:schemeClr val="dk1"/>
-          </a:lnRef>
-          <a:fillRef idx="1">
-            <a:schemeClr val="lt1"/>
-          </a:fillRef>
-          <a:effectRef idx="0">
-            <a:schemeClr val="dk1"/>
-          </a:effectRef>
-          <a:fontRef idx="minor">
-            <a:schemeClr val="dk1"/>
-          </a:fontRef>
-        </p:style>
-        <p:txBody>
-          <a:bodyPr rtlCol="0" anchor="ctr"/>
-          <a:lstStyle/>
-          <a:p>
-            <a:pPr algn="just"/>
-            <a:r>
-              <a:rPr lang="en-US" altLang="zh-CN" sz="1000" b="1" dirty="0"/>
-              <a:t>Credit Risk</a:t>
-            </a:r>
-            <a:r>
-              <a:rPr lang="zh-CN" altLang="en-US" sz="1000" b="1" dirty="0"/>
-              <a:t> </a:t>
-            </a:r>
-            <a:r>
-              <a:rPr lang="en-US" altLang="zh-CN" sz="1000" b="1" dirty="0"/>
-              <a:t>Dataset</a:t>
-            </a:r>
-          </a:p>
-          <a:p>
             <a:pPr marL="171450" indent="-171450" algn="just">
-              <a:buFont typeface="Wingdings" charset="2"/>
+              <a:buFont typeface="Wingdings" panose="05000000000000000000" pitchFamily="2" charset="2"/>
               <a:buChar char="Ø"/>
             </a:pPr>
             <a:r>
-              <a:rPr lang="en-US" altLang="zh-CN" sz="1000" dirty="0"/>
-              <a:t>Kaggle Competition</a:t>
-            </a:r>
-          </a:p>
-        </p:txBody>
-      </p:sp>
-      <p:sp>
-        <p:nvSpPr>
-          <p:cNvPr id="30" name="Rectangle 29"/>
-          <p:cNvSpPr/>
-          <p:nvPr/>
-        </p:nvSpPr>
-        <p:spPr>
-          <a:xfrm>
-            <a:off x="8238451" y="5905316"/>
-            <a:ext cx="3773842" cy="233454"/>
-          </a:xfrm>
-          <a:prstGeom prst="rect">
-            <a:avLst/>
-          </a:prstGeom>
-          <a:solidFill>
-            <a:srgbClr val="7030A0"/>
-          </a:solidFill>
-          <a:ln>
-            <a:solidFill>
-              <a:srgbClr val="7030A0"/>
-            </a:solidFill>
-          </a:ln>
-        </p:spPr>
-        <p:style>
-          <a:lnRef idx="2">
-            <a:schemeClr val="accent1">
-              <a:shade val="50000"/>
-            </a:schemeClr>
-          </a:lnRef>
-          <a:fillRef idx="1">
-            <a:schemeClr val="accent1"/>
-          </a:fillRef>
-          <a:effectRef idx="0">
-            <a:schemeClr val="accent1"/>
-          </a:effectRef>
-          <a:fontRef idx="minor">
-            <a:schemeClr val="lt1"/>
-          </a:fontRef>
-        </p:style>
-        <p:txBody>
-          <a:bodyPr rtlCol="0" anchor="ctr"/>
-          <a:lstStyle/>
-          <a:p>
-            <a:r>
-              <a:rPr lang="en-US" sz="1200" dirty="0"/>
-              <a:t>7. </a:t>
-            </a:r>
-            <a:r>
-              <a:rPr lang="en-US" altLang="zh-CN" sz="1200" dirty="0"/>
-              <a:t>Contribution</a:t>
-            </a:r>
-            <a:endParaRPr lang="en-US" sz="1200" dirty="0"/>
-          </a:p>
-        </p:txBody>
-      </p:sp>
-      <p:sp>
-        <p:nvSpPr>
-          <p:cNvPr id="33" name="Rectangle 32"/>
-          <p:cNvSpPr/>
-          <p:nvPr/>
-        </p:nvSpPr>
-        <p:spPr>
-          <a:xfrm>
-            <a:off x="2151640" y="4711301"/>
-            <a:ext cx="1814562" cy="1966908"/>
-          </a:xfrm>
-          <a:prstGeom prst="rect">
-            <a:avLst/>
-          </a:prstGeom>
-          <a:ln>
-            <a:solidFill>
-              <a:srgbClr val="7030A0"/>
-            </a:solidFill>
-          </a:ln>
-        </p:spPr>
-        <p:style>
-          <a:lnRef idx="2">
-            <a:schemeClr val="dk1"/>
-          </a:lnRef>
-          <a:fillRef idx="1">
-            <a:schemeClr val="lt1"/>
-          </a:fillRef>
-          <a:effectRef idx="0">
-            <a:schemeClr val="dk1"/>
-          </a:effectRef>
-          <a:fontRef idx="minor">
-            <a:schemeClr val="dk1"/>
-          </a:fontRef>
-        </p:style>
-        <p:txBody>
-          <a:bodyPr rtlCol="0" anchor="ctr"/>
-          <a:lstStyle/>
-          <a:p>
-            <a:pPr algn="just"/>
-            <a:endParaRPr lang="en-US" altLang="zh-CN" sz="1000" b="1" dirty="0"/>
-          </a:p>
-          <a:p>
-            <a:pPr algn="just"/>
-            <a:endParaRPr lang="en-US" altLang="zh-CN" sz="1000" b="1" dirty="0"/>
-          </a:p>
-          <a:p>
-            <a:pPr algn="just"/>
-            <a:r>
-              <a:rPr lang="en-US" altLang="zh-CN" sz="1000" b="1" dirty="0"/>
-              <a:t>Missing Value Handling</a:t>
-            </a:r>
-            <a:endParaRPr lang="en-US" altLang="zh-CN" sz="900" b="1" dirty="0"/>
+              <a:rPr lang="en-GB" sz="900" dirty="0"/>
+              <a:t>Because there are 3 labels in column named ‘</a:t>
+            </a:r>
+            <a:r>
+              <a:rPr lang="en-GB" sz="900" b="0" i="0" u="none" strike="noStrike" baseline="0" dirty="0">
+                <a:latin typeface="CMR10"/>
+              </a:rPr>
+              <a:t>Retx_20d_label </a:t>
+            </a:r>
+            <a:r>
+              <a:rPr lang="en-GB" sz="900" dirty="0"/>
+              <a:t>’, one of which is 2 to represent nan value, we set the weights of loss function being [1,1,0.1], trying to balance the imbalanced distribution.</a:t>
+            </a:r>
           </a:p>
           <a:p>
             <a:pPr marL="171450" indent="-171450" algn="just">
-              <a:buFont typeface="Wingdings" charset="2"/>
+              <a:buFont typeface="Wingdings" panose="05000000000000000000" pitchFamily="2" charset="2"/>
               <a:buChar char="Ø"/>
             </a:pPr>
-            <a:endParaRPr lang="en-US" altLang="zh-CN" sz="900" dirty="0"/>
+            <a:r>
+              <a:rPr lang="en-GB" sz="900" dirty="0"/>
+              <a:t>The loss function used to measure the accuracy of current epoch is cross entropy loss with weight described above.</a:t>
+            </a:r>
           </a:p>
           <a:p>
             <a:pPr marL="171450" indent="-171450" algn="just">
-              <a:buFont typeface="Wingdings" charset="2"/>
+              <a:buFont typeface="Wingdings" panose="05000000000000000000" pitchFamily="2" charset="2"/>
               <a:buChar char="Ø"/>
             </a:pPr>
-            <a:endParaRPr lang="en-US" altLang="zh-CN" sz="900" dirty="0"/>
+            <a:r>
+              <a:rPr lang="en-GB" sz="900" dirty="0"/>
+              <a:t>The optimizer tried in our experiment is SGD. The learning rate is 0.0001 and the momentum is 0.9.</a:t>
+            </a:r>
           </a:p>
           <a:p>
             <a:pPr marL="171450" indent="-171450" algn="just">
-              <a:buFont typeface="Wingdings" charset="2"/>
+              <a:buFont typeface="Wingdings" panose="05000000000000000000" pitchFamily="2" charset="2"/>
               <a:buChar char="Ø"/>
             </a:pPr>
             <a:r>
-              <a:rPr lang="en-US" altLang="zh-CN" sz="900" dirty="0"/>
-              <a:t>We dropped the columns with more than 80% missing values</a:t>
-            </a:r>
-          </a:p>
-          <a:p>
-            <a:pPr marL="171450" indent="-171450" algn="just">
-              <a:buFont typeface="Wingdings" charset="2"/>
-              <a:buChar char="Ø"/>
-            </a:pPr>
-            <a:endParaRPr lang="en-US" altLang="zh-CN" sz="900" dirty="0"/>
-          </a:p>
-          <a:p>
-            <a:pPr marL="171450" indent="-171450" algn="just">
-              <a:buFont typeface="Wingdings" charset="2"/>
-              <a:buChar char="Ø"/>
-            </a:pPr>
-            <a:r>
-              <a:rPr lang="en-US" altLang="zh-CN" sz="900" dirty="0"/>
-              <a:t>For some categorical columns, we changed some extreme value to a constant, to remove the outlier. For example, </a:t>
-            </a:r>
-            <a:r>
-              <a:rPr lang="en-US" altLang="zh-CN" sz="900" i="1" dirty="0" err="1"/>
-              <a:t>days_unemployed</a:t>
-            </a:r>
-            <a:r>
-              <a:rPr lang="en-US" altLang="zh-CN" sz="900" dirty="0"/>
-              <a:t> = 365243, then we change it to Null. </a:t>
-            </a:r>
-          </a:p>
-          <a:p>
-            <a:pPr marL="228600" indent="-228600" algn="just">
-              <a:buAutoNum type="arabicPeriod"/>
-            </a:pPr>
-            <a:endParaRPr lang="en-US" sz="1000" dirty="0"/>
-          </a:p>
-          <a:p>
-            <a:endParaRPr lang="en-US" sz="1000" dirty="0"/>
-          </a:p>
-        </p:txBody>
-      </p:sp>
-      <p:pic>
-        <p:nvPicPr>
-          <p:cNvPr id="3" name="圖片 2">
+              <a:rPr lang="en-GB" sz="900" dirty="0"/>
+              <a:t>We also tried different optimizers, including </a:t>
+            </a:r>
+            <a:r>
+              <a:rPr lang="en-GB" sz="900" dirty="0" err="1"/>
+              <a:t>RMSProp</a:t>
+            </a:r>
+            <a:r>
+              <a:rPr lang="en-GB" sz="900" dirty="0"/>
+              <a:t> and Adam. The result will be compared in the next section</a:t>
+            </a:r>
+            <a:endParaRPr lang="en-US" sz="900" dirty="0"/>
+          </a:p>
+        </p:txBody>
+      </p:sp>
+      <p:graphicFrame>
+        <p:nvGraphicFramePr>
+          <p:cNvPr id="17" name="Table 16">
             <a:extLst>
               <a:ext uri="{FF2B5EF4-FFF2-40B4-BE49-F238E27FC236}">
-                <a16:creationId xmlns:a16="http://schemas.microsoft.com/office/drawing/2014/main" id="{1C99E594-47E9-49CE-83B2-39AEC909F878}"/>
+                <a16:creationId xmlns:a16="http://schemas.microsoft.com/office/drawing/2014/main" id="{1AB365E2-43B8-E94E-89DC-1E9F4EE0DE91}"/>
               </a:ext>
             </a:extLst>
           </p:cNvPr>
-          <p:cNvPicPr>
-            <a:picLocks noChangeAspect="1"/>
-          </p:cNvPicPr>
-          <p:nvPr/>
-        </p:nvPicPr>
-        <p:blipFill>
-          <a:blip r:embed="rId4"/>
-          <a:stretch>
-            <a:fillRect/>
-          </a:stretch>
-        </p:blipFill>
-        <p:spPr>
-          <a:xfrm>
-            <a:off x="4453175" y="4979752"/>
-            <a:ext cx="3280118" cy="1705084"/>
-          </a:xfrm>
-          <a:prstGeom prst="rect">
-            <a:avLst/>
-          </a:prstGeom>
-        </p:spPr>
-      </p:pic>
+          <p:cNvGraphicFramePr>
+            <a:graphicFrameLocks noGrp="1"/>
+          </p:cNvGraphicFramePr>
+          <p:nvPr>
+            <p:extLst>
+              <p:ext uri="{D42A27DB-BD31-4B8C-83A1-F6EECF244321}">
+                <p14:modId xmlns:p14="http://schemas.microsoft.com/office/powerpoint/2010/main" val="311169337"/>
+              </p:ext>
+            </p:extLst>
+          </p:nvPr>
+        </p:nvGraphicFramePr>
+        <p:xfrm>
+          <a:off x="8227241" y="4117230"/>
+          <a:ext cx="3788296" cy="2398395"/>
+        </p:xfrm>
+        <a:graphic>
+          <a:graphicData uri="http://schemas.openxmlformats.org/drawingml/2006/table">
+            <a:tbl>
+              <a:tblPr>
+                <a:tableStyleId>{5940675A-B579-460E-94D1-54222C63F5DA}</a:tableStyleId>
+              </a:tblPr>
+              <a:tblGrid>
+                <a:gridCol w="879103">
+                  <a:extLst>
+                    <a:ext uri="{9D8B030D-6E8A-4147-A177-3AD203B41FA5}">
+                      <a16:colId xmlns:a16="http://schemas.microsoft.com/office/drawing/2014/main" val="3619127817"/>
+                    </a:ext>
+                  </a:extLst>
+                </a:gridCol>
+                <a:gridCol w="490029">
+                  <a:extLst>
+                    <a:ext uri="{9D8B030D-6E8A-4147-A177-3AD203B41FA5}">
+                      <a16:colId xmlns:a16="http://schemas.microsoft.com/office/drawing/2014/main" val="3725186286"/>
+                    </a:ext>
+                  </a:extLst>
+                </a:gridCol>
+                <a:gridCol w="490029">
+                  <a:extLst>
+                    <a:ext uri="{9D8B030D-6E8A-4147-A177-3AD203B41FA5}">
+                      <a16:colId xmlns:a16="http://schemas.microsoft.com/office/drawing/2014/main" val="2687088921"/>
+                    </a:ext>
+                  </a:extLst>
+                </a:gridCol>
+                <a:gridCol w="490029">
+                  <a:extLst>
+                    <a:ext uri="{9D8B030D-6E8A-4147-A177-3AD203B41FA5}">
+                      <a16:colId xmlns:a16="http://schemas.microsoft.com/office/drawing/2014/main" val="23250130"/>
+                    </a:ext>
+                  </a:extLst>
+                </a:gridCol>
+                <a:gridCol w="490029">
+                  <a:extLst>
+                    <a:ext uri="{9D8B030D-6E8A-4147-A177-3AD203B41FA5}">
+                      <a16:colId xmlns:a16="http://schemas.microsoft.com/office/drawing/2014/main" val="2001787763"/>
+                    </a:ext>
+                  </a:extLst>
+                </a:gridCol>
+                <a:gridCol w="490029">
+                  <a:extLst>
+                    <a:ext uri="{9D8B030D-6E8A-4147-A177-3AD203B41FA5}">
+                      <a16:colId xmlns:a16="http://schemas.microsoft.com/office/drawing/2014/main" val="262171594"/>
+                    </a:ext>
+                  </a:extLst>
+                </a:gridCol>
+                <a:gridCol w="459048">
+                  <a:extLst>
+                    <a:ext uri="{9D8B030D-6E8A-4147-A177-3AD203B41FA5}">
+                      <a16:colId xmlns:a16="http://schemas.microsoft.com/office/drawing/2014/main" val="2539492471"/>
+                    </a:ext>
+                  </a:extLst>
+                </a:gridCol>
+              </a:tblGrid>
+              <a:tr h="0">
+                <a:tc rowSpan="2">
+                  <a:txBody>
+                    <a:bodyPr/>
+                    <a:lstStyle/>
+                    <a:p>
+                      <a:pPr algn="ctr" fontAlgn="ctr"/>
+                      <a:r>
+                        <a:rPr lang="en-HK" sz="900" b="1" u="none" strike="noStrike">
+                          <a:solidFill>
+                            <a:srgbClr val="000000"/>
+                          </a:solidFill>
+                          <a:effectLst/>
+                        </a:rPr>
+                        <a:t>Model Tuning Changes</a:t>
+                      </a:r>
+                      <a:endParaRPr lang="en-HK" sz="900" b="1" i="0" u="none" strike="noStrike">
+                        <a:solidFill>
+                          <a:srgbClr val="000000"/>
+                        </a:solidFill>
+                        <a:effectLst/>
+                        <a:latin typeface="Calibri" panose="020F0502020204030204" pitchFamily="34" charset="0"/>
+                      </a:endParaRPr>
+                    </a:p>
+                  </a:txBody>
+                  <a:tcPr marL="9525" marR="9525" marT="9525" marB="0" anchor="ctr"/>
+                </a:tc>
+                <a:tc gridSpan="6">
+                  <a:txBody>
+                    <a:bodyPr/>
+                    <a:lstStyle/>
+                    <a:p>
+                      <a:pPr algn="ctr" fontAlgn="b"/>
+                      <a:r>
+                        <a:rPr lang="en-HK" sz="900" b="1" u="none" strike="noStrike">
+                          <a:solidFill>
+                            <a:srgbClr val="000000"/>
+                          </a:solidFill>
+                          <a:effectLst/>
+                        </a:rPr>
+                        <a:t>Model Performance</a:t>
+                      </a:r>
+                      <a:endParaRPr lang="en-HK" sz="900" b="1" i="0" u="none" strike="noStrike">
+                        <a:solidFill>
+                          <a:srgbClr val="000000"/>
+                        </a:solidFill>
+                        <a:effectLst/>
+                        <a:latin typeface="Calibri" panose="020F0502020204030204" pitchFamily="34" charset="0"/>
+                      </a:endParaRPr>
+                    </a:p>
+                  </a:txBody>
+                  <a:tcPr marL="9525" marR="9525" marT="9525" marB="0" anchor="ctr"/>
+                </a:tc>
+                <a:tc hMerge="1">
+                  <a:txBody>
+                    <a:bodyPr/>
+                    <a:lstStyle/>
+                    <a:p>
+                      <a:endParaRPr lang="en-US"/>
+                    </a:p>
+                  </a:txBody>
+                  <a:tcPr/>
+                </a:tc>
+                <a:tc hMerge="1">
+                  <a:txBody>
+                    <a:bodyPr/>
+                    <a:lstStyle/>
+                    <a:p>
+                      <a:endParaRPr lang="en-US"/>
+                    </a:p>
+                  </a:txBody>
+                  <a:tcPr/>
+                </a:tc>
+                <a:tc hMerge="1">
+                  <a:txBody>
+                    <a:bodyPr/>
+                    <a:lstStyle/>
+                    <a:p>
+                      <a:endParaRPr lang="en-US"/>
+                    </a:p>
+                  </a:txBody>
+                  <a:tcPr/>
+                </a:tc>
+                <a:tc hMerge="1">
+                  <a:txBody>
+                    <a:bodyPr/>
+                    <a:lstStyle/>
+                    <a:p>
+                      <a:endParaRPr lang="en-US"/>
+                    </a:p>
+                  </a:txBody>
+                  <a:tcPr/>
+                </a:tc>
+                <a:tc hMerge="1">
+                  <a:txBody>
+                    <a:bodyPr/>
+                    <a:lstStyle/>
+                    <a:p>
+                      <a:endParaRPr lang="en-US"/>
+                    </a:p>
+                  </a:txBody>
+                  <a:tcPr/>
+                </a:tc>
+                <a:extLst>
+                  <a:ext uri="{0D108BD9-81ED-4DB2-BD59-A6C34878D82A}">
+                    <a16:rowId xmlns:a16="http://schemas.microsoft.com/office/drawing/2014/main" val="858089497"/>
+                  </a:ext>
+                </a:extLst>
+              </a:tr>
+              <a:tr h="0">
+                <a:tc vMerge="1">
+                  <a:txBody>
+                    <a:bodyPr/>
+                    <a:lstStyle/>
+                    <a:p>
+                      <a:endParaRPr lang="en-US"/>
+                    </a:p>
+                  </a:txBody>
+                  <a:tcPr/>
+                </a:tc>
+                <a:tc>
+                  <a:txBody>
+                    <a:bodyPr/>
+                    <a:lstStyle/>
+                    <a:p>
+                      <a:pPr algn="ctr" fontAlgn="b"/>
+                      <a:r>
+                        <a:rPr lang="en-HK" sz="900" b="1" u="none" strike="noStrike" dirty="0">
+                          <a:solidFill>
+                            <a:srgbClr val="000000"/>
+                          </a:solidFill>
+                          <a:effectLst/>
+                        </a:rPr>
+                        <a:t>Training Accuracy</a:t>
+                      </a:r>
+                      <a:endParaRPr lang="en-HK" sz="900" b="1" i="0" u="none" strike="noStrike" dirty="0">
+                        <a:solidFill>
+                          <a:srgbClr val="000000"/>
+                        </a:solidFill>
+                        <a:effectLst/>
+                        <a:latin typeface="Calibri" panose="020F0502020204030204" pitchFamily="34" charset="0"/>
+                      </a:endParaRPr>
+                    </a:p>
+                  </a:txBody>
+                  <a:tcPr marL="9525" marR="9525" marT="9525" marB="0" anchor="ctr"/>
+                </a:tc>
+                <a:tc>
+                  <a:txBody>
+                    <a:bodyPr/>
+                    <a:lstStyle/>
+                    <a:p>
+                      <a:pPr algn="ctr" fontAlgn="b"/>
+                      <a:r>
+                        <a:rPr lang="en-HK" sz="900" b="1" u="none" strike="noStrike" dirty="0">
+                          <a:solidFill>
+                            <a:srgbClr val="000000"/>
+                          </a:solidFill>
+                          <a:effectLst/>
+                        </a:rPr>
+                        <a:t>Training Cross Entropy</a:t>
+                      </a:r>
+                      <a:endParaRPr lang="en-HK" sz="900" b="1" i="0" u="none" strike="noStrike" dirty="0">
+                        <a:solidFill>
+                          <a:srgbClr val="000000"/>
+                        </a:solidFill>
+                        <a:effectLst/>
+                        <a:latin typeface="Calibri" panose="020F0502020204030204" pitchFamily="34" charset="0"/>
+                      </a:endParaRPr>
+                    </a:p>
+                  </a:txBody>
+                  <a:tcPr marL="9525" marR="9525" marT="9525" marB="0" anchor="ctr"/>
+                </a:tc>
+                <a:tc>
+                  <a:txBody>
+                    <a:bodyPr/>
+                    <a:lstStyle/>
+                    <a:p>
+                      <a:pPr algn="ctr" fontAlgn="b"/>
+                      <a:r>
+                        <a:rPr lang="en-HK" sz="900" b="1" u="none" strike="noStrike" dirty="0">
+                          <a:solidFill>
+                            <a:srgbClr val="000000"/>
+                          </a:solidFill>
+                          <a:effectLst/>
+                        </a:rPr>
+                        <a:t>Testing Accuracy</a:t>
+                      </a:r>
+                      <a:endParaRPr lang="en-HK" sz="900" b="1" i="0" u="none" strike="noStrike" dirty="0">
+                        <a:solidFill>
+                          <a:srgbClr val="000000"/>
+                        </a:solidFill>
+                        <a:effectLst/>
+                        <a:latin typeface="Calibri" panose="020F0502020204030204" pitchFamily="34" charset="0"/>
+                      </a:endParaRPr>
+                    </a:p>
+                  </a:txBody>
+                  <a:tcPr marL="9525" marR="9525" marT="9525" marB="0" anchor="ctr"/>
+                </a:tc>
+                <a:tc>
+                  <a:txBody>
+                    <a:bodyPr/>
+                    <a:lstStyle/>
+                    <a:p>
+                      <a:pPr algn="ctr" fontAlgn="b"/>
+                      <a:r>
+                        <a:rPr lang="en-HK" sz="900" b="1" u="none" strike="noStrike" dirty="0">
+                          <a:solidFill>
+                            <a:srgbClr val="000000"/>
+                          </a:solidFill>
+                          <a:effectLst/>
+                        </a:rPr>
+                        <a:t>Testing Cross Entropy</a:t>
+                      </a:r>
+                      <a:endParaRPr lang="en-HK" sz="900" b="1" i="0" u="none" strike="noStrike" dirty="0">
+                        <a:solidFill>
+                          <a:srgbClr val="000000"/>
+                        </a:solidFill>
+                        <a:effectLst/>
+                        <a:latin typeface="Calibri" panose="020F0502020204030204" pitchFamily="34" charset="0"/>
+                      </a:endParaRPr>
+                    </a:p>
+                  </a:txBody>
+                  <a:tcPr marL="9525" marR="9525" marT="9525" marB="0" anchor="ctr"/>
+                </a:tc>
+                <a:tc>
+                  <a:txBody>
+                    <a:bodyPr/>
+                    <a:lstStyle/>
+                    <a:p>
+                      <a:pPr algn="ctr" fontAlgn="b"/>
+                      <a:r>
+                        <a:rPr lang="en-HK" sz="900" b="1" u="none" strike="noStrike" dirty="0">
+                          <a:solidFill>
+                            <a:srgbClr val="000000"/>
+                          </a:solidFill>
+                          <a:effectLst/>
+                        </a:rPr>
+                        <a:t>Out of Time Accuracy</a:t>
+                      </a:r>
+                      <a:endParaRPr lang="en-HK" sz="900" b="1" i="0" u="none" strike="noStrike" dirty="0">
+                        <a:solidFill>
+                          <a:srgbClr val="000000"/>
+                        </a:solidFill>
+                        <a:effectLst/>
+                        <a:latin typeface="Calibri" panose="020F0502020204030204" pitchFamily="34" charset="0"/>
+                      </a:endParaRPr>
+                    </a:p>
+                  </a:txBody>
+                  <a:tcPr marL="9525" marR="9525" marT="9525" marB="0" anchor="ctr"/>
+                </a:tc>
+                <a:tc>
+                  <a:txBody>
+                    <a:bodyPr/>
+                    <a:lstStyle/>
+                    <a:p>
+                      <a:pPr algn="ctr" fontAlgn="b"/>
+                      <a:r>
+                        <a:rPr lang="en-HK" sz="900" b="1" u="none" strike="noStrike" dirty="0">
+                          <a:solidFill>
+                            <a:srgbClr val="000000"/>
+                          </a:solidFill>
+                          <a:effectLst/>
+                        </a:rPr>
+                        <a:t>Out of Time Cross Entropy</a:t>
+                      </a:r>
+                      <a:endParaRPr lang="en-HK" sz="900" b="1" i="0" u="none" strike="noStrike" dirty="0">
+                        <a:solidFill>
+                          <a:srgbClr val="000000"/>
+                        </a:solidFill>
+                        <a:effectLst/>
+                        <a:latin typeface="Calibri" panose="020F0502020204030204" pitchFamily="34" charset="0"/>
+                      </a:endParaRPr>
+                    </a:p>
+                  </a:txBody>
+                  <a:tcPr marL="9525" marR="9525" marT="9525" marB="0" anchor="ctr"/>
+                </a:tc>
+                <a:extLst>
+                  <a:ext uri="{0D108BD9-81ED-4DB2-BD59-A6C34878D82A}">
+                    <a16:rowId xmlns:a16="http://schemas.microsoft.com/office/drawing/2014/main" val="144789060"/>
+                  </a:ext>
+                </a:extLst>
+              </a:tr>
+              <a:tr h="0">
+                <a:tc>
+                  <a:txBody>
+                    <a:bodyPr/>
+                    <a:lstStyle/>
+                    <a:p>
+                      <a:pPr algn="ctr" fontAlgn="b"/>
+                      <a:r>
+                        <a:rPr lang="en-HK" sz="900" b="0" u="none" strike="noStrike" dirty="0">
+                          <a:solidFill>
+                            <a:srgbClr val="000000"/>
+                          </a:solidFill>
+                          <a:effectLst/>
+                        </a:rPr>
+                        <a:t> Base Model</a:t>
+                      </a:r>
+                      <a:endParaRPr lang="en-HK" sz="900" b="0" i="0" u="none" strike="noStrike" dirty="0">
+                        <a:solidFill>
+                          <a:srgbClr val="000000"/>
+                        </a:solidFill>
+                        <a:effectLst/>
+                        <a:latin typeface="Calibri" panose="020F0502020204030204" pitchFamily="34" charset="0"/>
+                      </a:endParaRPr>
+                    </a:p>
+                  </a:txBody>
+                  <a:tcPr marL="9525" marR="9525" marT="9525" marB="0" anchor="ctr"/>
+                </a:tc>
+                <a:tc>
+                  <a:txBody>
+                    <a:bodyPr/>
+                    <a:lstStyle/>
+                    <a:p>
+                      <a:pPr algn="ctr" fontAlgn="b"/>
+                      <a:r>
+                        <a:rPr lang="en-HK" sz="900" b="0" u="none" strike="noStrike">
+                          <a:solidFill>
+                            <a:srgbClr val="000000"/>
+                          </a:solidFill>
+                          <a:effectLst/>
+                        </a:rPr>
+                        <a:t>0.51</a:t>
+                      </a:r>
+                      <a:endParaRPr lang="en-HK" sz="900" b="0" i="0" u="none" strike="noStrike">
+                        <a:solidFill>
+                          <a:srgbClr val="000000"/>
+                        </a:solidFill>
+                        <a:effectLst/>
+                        <a:latin typeface="Calibri" panose="020F0502020204030204" pitchFamily="34" charset="0"/>
+                      </a:endParaRPr>
+                    </a:p>
+                  </a:txBody>
+                  <a:tcPr marL="9525" marR="9525" marT="9525" marB="0" anchor="ctr"/>
+                </a:tc>
+                <a:tc>
+                  <a:txBody>
+                    <a:bodyPr/>
+                    <a:lstStyle/>
+                    <a:p>
+                      <a:pPr algn="ctr" fontAlgn="b"/>
+                      <a:r>
+                        <a:rPr lang="en-HK" sz="900" b="0" u="none" strike="noStrike">
+                          <a:solidFill>
+                            <a:srgbClr val="000000"/>
+                          </a:solidFill>
+                          <a:effectLst/>
+                        </a:rPr>
+                        <a:t>1.2181</a:t>
+                      </a:r>
+                      <a:endParaRPr lang="en-HK" sz="900" b="0" i="0" u="none" strike="noStrike">
+                        <a:solidFill>
+                          <a:srgbClr val="000000"/>
+                        </a:solidFill>
+                        <a:effectLst/>
+                        <a:latin typeface="Calibri" panose="020F0502020204030204" pitchFamily="34" charset="0"/>
+                      </a:endParaRPr>
+                    </a:p>
+                  </a:txBody>
+                  <a:tcPr marL="9525" marR="9525" marT="9525" marB="0" anchor="ctr"/>
+                </a:tc>
+                <a:tc>
+                  <a:txBody>
+                    <a:bodyPr/>
+                    <a:lstStyle/>
+                    <a:p>
+                      <a:pPr algn="ctr" fontAlgn="b"/>
+                      <a:r>
+                        <a:rPr lang="en-HK" sz="900" b="0" u="none" strike="noStrike">
+                          <a:solidFill>
+                            <a:srgbClr val="000000"/>
+                          </a:solidFill>
+                          <a:effectLst/>
+                        </a:rPr>
+                        <a:t>0.51</a:t>
+                      </a:r>
+                      <a:endParaRPr lang="en-HK" sz="900" b="0" i="0" u="none" strike="noStrike">
+                        <a:solidFill>
+                          <a:srgbClr val="000000"/>
+                        </a:solidFill>
+                        <a:effectLst/>
+                        <a:latin typeface="Calibri" panose="020F0502020204030204" pitchFamily="34" charset="0"/>
+                      </a:endParaRPr>
+                    </a:p>
+                  </a:txBody>
+                  <a:tcPr marL="9525" marR="9525" marT="9525" marB="0" anchor="ctr"/>
+                </a:tc>
+                <a:tc>
+                  <a:txBody>
+                    <a:bodyPr/>
+                    <a:lstStyle/>
+                    <a:p>
+                      <a:pPr algn="ctr" fontAlgn="b"/>
+                      <a:r>
+                        <a:rPr lang="en-HK" sz="900" b="0" u="none" strike="noStrike">
+                          <a:solidFill>
+                            <a:srgbClr val="000000"/>
+                          </a:solidFill>
+                          <a:effectLst/>
+                        </a:rPr>
+                        <a:t>0.9622</a:t>
+                      </a:r>
+                      <a:endParaRPr lang="en-HK" sz="900" b="0" i="0" u="none" strike="noStrike">
+                        <a:solidFill>
+                          <a:srgbClr val="000000"/>
+                        </a:solidFill>
+                        <a:effectLst/>
+                        <a:latin typeface="Calibri" panose="020F0502020204030204" pitchFamily="34" charset="0"/>
+                      </a:endParaRPr>
+                    </a:p>
+                  </a:txBody>
+                  <a:tcPr marL="9525" marR="9525" marT="9525" marB="0" anchor="ctr"/>
+                </a:tc>
+                <a:tc>
+                  <a:txBody>
+                    <a:bodyPr/>
+                    <a:lstStyle/>
+                    <a:p>
+                      <a:pPr algn="ctr" fontAlgn="b"/>
+                      <a:r>
+                        <a:rPr lang="en-HK" sz="900" b="0" u="none" strike="noStrike">
+                          <a:solidFill>
+                            <a:srgbClr val="000000"/>
+                          </a:solidFill>
+                          <a:effectLst/>
+                        </a:rPr>
+                        <a:t>0.51</a:t>
+                      </a:r>
+                      <a:endParaRPr lang="en-HK" sz="900" b="0" i="0" u="none" strike="noStrike">
+                        <a:solidFill>
+                          <a:srgbClr val="000000"/>
+                        </a:solidFill>
+                        <a:effectLst/>
+                        <a:latin typeface="Calibri" panose="020F0502020204030204" pitchFamily="34" charset="0"/>
+                      </a:endParaRPr>
+                    </a:p>
+                  </a:txBody>
+                  <a:tcPr marL="9525" marR="9525" marT="9525" marB="0" anchor="ctr"/>
+                </a:tc>
+                <a:tc>
+                  <a:txBody>
+                    <a:bodyPr/>
+                    <a:lstStyle/>
+                    <a:p>
+                      <a:pPr algn="ctr" fontAlgn="b"/>
+                      <a:r>
+                        <a:rPr lang="en-HK" sz="900" b="0" u="none" strike="noStrike" dirty="0">
+                          <a:solidFill>
+                            <a:srgbClr val="000000"/>
+                          </a:solidFill>
+                          <a:effectLst/>
+                        </a:rPr>
+                        <a:t>1.0451</a:t>
+                      </a:r>
+                      <a:endParaRPr lang="en-HK" sz="900" b="0" i="0" u="none" strike="noStrike" dirty="0">
+                        <a:solidFill>
+                          <a:srgbClr val="000000"/>
+                        </a:solidFill>
+                        <a:effectLst/>
+                        <a:latin typeface="Calibri" panose="020F0502020204030204" pitchFamily="34" charset="0"/>
+                      </a:endParaRPr>
+                    </a:p>
+                  </a:txBody>
+                  <a:tcPr marL="9525" marR="9525" marT="9525" marB="0" anchor="ctr"/>
+                </a:tc>
+                <a:extLst>
+                  <a:ext uri="{0D108BD9-81ED-4DB2-BD59-A6C34878D82A}">
+                    <a16:rowId xmlns:a16="http://schemas.microsoft.com/office/drawing/2014/main" val="3370055052"/>
+                  </a:ext>
+                </a:extLst>
+              </a:tr>
+              <a:tr h="0">
+                <a:tc>
+                  <a:txBody>
+                    <a:bodyPr/>
+                    <a:lstStyle/>
+                    <a:p>
+                      <a:pPr algn="ctr" fontAlgn="b"/>
+                      <a:r>
+                        <a:rPr lang="en-HK" sz="900" b="0" u="none" strike="noStrike">
+                          <a:solidFill>
+                            <a:srgbClr val="000000"/>
+                          </a:solidFill>
+                          <a:effectLst/>
+                        </a:rPr>
+                        <a:t>Removed Soft Max Layer</a:t>
+                      </a:r>
+                      <a:endParaRPr lang="en-HK" sz="900" b="0" i="0" u="none" strike="noStrike">
+                        <a:solidFill>
+                          <a:srgbClr val="000000"/>
+                        </a:solidFill>
+                        <a:effectLst/>
+                        <a:latin typeface="Calibri" panose="020F0502020204030204" pitchFamily="34" charset="0"/>
+                      </a:endParaRPr>
+                    </a:p>
+                  </a:txBody>
+                  <a:tcPr marL="9525" marR="9525" marT="9525" marB="0" anchor="ctr"/>
+                </a:tc>
+                <a:tc>
+                  <a:txBody>
+                    <a:bodyPr/>
+                    <a:lstStyle/>
+                    <a:p>
+                      <a:pPr algn="ctr" fontAlgn="b"/>
+                      <a:r>
+                        <a:rPr lang="en-HK" sz="900" b="0" u="none" strike="noStrike">
+                          <a:solidFill>
+                            <a:srgbClr val="000000"/>
+                          </a:solidFill>
+                          <a:effectLst/>
+                        </a:rPr>
+                        <a:t>0.62</a:t>
+                      </a:r>
+                      <a:endParaRPr lang="en-HK" sz="900" b="0" i="0" u="none" strike="noStrike">
+                        <a:solidFill>
+                          <a:srgbClr val="000000"/>
+                        </a:solidFill>
+                        <a:effectLst/>
+                        <a:latin typeface="Calibri" panose="020F0502020204030204" pitchFamily="34" charset="0"/>
+                      </a:endParaRPr>
+                    </a:p>
+                  </a:txBody>
+                  <a:tcPr marL="9525" marR="9525" marT="9525" marB="0" anchor="ctr"/>
+                </a:tc>
+                <a:tc>
+                  <a:txBody>
+                    <a:bodyPr/>
+                    <a:lstStyle/>
+                    <a:p>
+                      <a:pPr algn="ctr" fontAlgn="b"/>
+                      <a:r>
+                        <a:rPr lang="en-HK" sz="900" b="0" u="none" strike="noStrike">
+                          <a:solidFill>
+                            <a:srgbClr val="000000"/>
+                          </a:solidFill>
+                          <a:effectLst/>
+                        </a:rPr>
+                        <a:t>0.6247</a:t>
+                      </a:r>
+                      <a:endParaRPr lang="en-HK" sz="900" b="0" i="0" u="none" strike="noStrike">
+                        <a:solidFill>
+                          <a:srgbClr val="000000"/>
+                        </a:solidFill>
+                        <a:effectLst/>
+                        <a:latin typeface="Calibri" panose="020F0502020204030204" pitchFamily="34" charset="0"/>
+                      </a:endParaRPr>
+                    </a:p>
+                  </a:txBody>
+                  <a:tcPr marL="9525" marR="9525" marT="9525" marB="0" anchor="ctr"/>
+                </a:tc>
+                <a:tc>
+                  <a:txBody>
+                    <a:bodyPr/>
+                    <a:lstStyle/>
+                    <a:p>
+                      <a:pPr algn="ctr" fontAlgn="b"/>
+                      <a:r>
+                        <a:rPr lang="en-HK" sz="900" b="0" u="none" strike="noStrike" dirty="0">
+                          <a:solidFill>
+                            <a:srgbClr val="000000"/>
+                          </a:solidFill>
+                          <a:effectLst/>
+                        </a:rPr>
+                        <a:t>0.52</a:t>
+                      </a:r>
+                      <a:endParaRPr lang="en-HK" sz="900" b="0" i="0" u="none" strike="noStrike" dirty="0">
+                        <a:solidFill>
+                          <a:srgbClr val="000000"/>
+                        </a:solidFill>
+                        <a:effectLst/>
+                        <a:latin typeface="Calibri" panose="020F0502020204030204" pitchFamily="34" charset="0"/>
+                      </a:endParaRPr>
+                    </a:p>
+                  </a:txBody>
+                  <a:tcPr marL="9525" marR="9525" marT="9525" marB="0" anchor="ctr"/>
+                </a:tc>
+                <a:tc>
+                  <a:txBody>
+                    <a:bodyPr/>
+                    <a:lstStyle/>
+                    <a:p>
+                      <a:pPr algn="ctr" fontAlgn="b"/>
+                      <a:r>
+                        <a:rPr lang="en-HK" sz="900" b="0" u="none" strike="noStrike" dirty="0">
+                          <a:solidFill>
+                            <a:srgbClr val="000000"/>
+                          </a:solidFill>
+                          <a:effectLst/>
+                        </a:rPr>
+                        <a:t>0.6905</a:t>
+                      </a:r>
+                      <a:endParaRPr lang="en-HK" sz="900" b="0" i="0" u="none" strike="noStrike" dirty="0">
+                        <a:solidFill>
+                          <a:srgbClr val="000000"/>
+                        </a:solidFill>
+                        <a:effectLst/>
+                        <a:latin typeface="Calibri" panose="020F0502020204030204" pitchFamily="34" charset="0"/>
+                      </a:endParaRPr>
+                    </a:p>
+                  </a:txBody>
+                  <a:tcPr marL="9525" marR="9525" marT="9525" marB="0" anchor="ctr"/>
+                </a:tc>
+                <a:tc>
+                  <a:txBody>
+                    <a:bodyPr/>
+                    <a:lstStyle/>
+                    <a:p>
+                      <a:pPr algn="ctr" fontAlgn="b"/>
+                      <a:r>
+                        <a:rPr lang="en-HK" sz="900" b="0" u="none" strike="noStrike" dirty="0">
+                          <a:solidFill>
+                            <a:srgbClr val="000000"/>
+                          </a:solidFill>
+                          <a:effectLst/>
+                        </a:rPr>
+                        <a:t>0.51</a:t>
+                      </a:r>
+                      <a:endParaRPr lang="en-HK" sz="900" b="0" i="0" u="none" strike="noStrike" dirty="0">
+                        <a:solidFill>
+                          <a:srgbClr val="000000"/>
+                        </a:solidFill>
+                        <a:effectLst/>
+                        <a:latin typeface="Calibri" panose="020F0502020204030204" pitchFamily="34" charset="0"/>
+                      </a:endParaRPr>
+                    </a:p>
+                  </a:txBody>
+                  <a:tcPr marL="9525" marR="9525" marT="9525" marB="0" anchor="ctr"/>
+                </a:tc>
+                <a:tc>
+                  <a:txBody>
+                    <a:bodyPr/>
+                    <a:lstStyle/>
+                    <a:p>
+                      <a:pPr algn="ctr" fontAlgn="b"/>
+                      <a:r>
+                        <a:rPr lang="en-HK" sz="900" b="0" u="none" strike="noStrike" dirty="0">
+                          <a:solidFill>
+                            <a:srgbClr val="000000"/>
+                          </a:solidFill>
+                          <a:effectLst/>
+                        </a:rPr>
+                        <a:t>0.7121</a:t>
+                      </a:r>
+                      <a:endParaRPr lang="en-HK" sz="900" b="0" i="0" u="none" strike="noStrike" dirty="0">
+                        <a:solidFill>
+                          <a:srgbClr val="000000"/>
+                        </a:solidFill>
+                        <a:effectLst/>
+                        <a:latin typeface="Calibri" panose="020F0502020204030204" pitchFamily="34" charset="0"/>
+                      </a:endParaRPr>
+                    </a:p>
+                  </a:txBody>
+                  <a:tcPr marL="9525" marR="9525" marT="9525" marB="0" anchor="ctr"/>
+                </a:tc>
+                <a:extLst>
+                  <a:ext uri="{0D108BD9-81ED-4DB2-BD59-A6C34878D82A}">
+                    <a16:rowId xmlns:a16="http://schemas.microsoft.com/office/drawing/2014/main" val="3057029512"/>
+                  </a:ext>
+                </a:extLst>
+              </a:tr>
+              <a:tr h="0">
+                <a:tc>
+                  <a:txBody>
+                    <a:bodyPr/>
+                    <a:lstStyle/>
+                    <a:p>
+                      <a:pPr algn="ctr" fontAlgn="b"/>
+                      <a:r>
+                        <a:rPr lang="en-HK" sz="900" b="0" u="none" strike="noStrike">
+                          <a:solidFill>
+                            <a:srgbClr val="000000"/>
+                          </a:solidFill>
+                          <a:effectLst/>
+                        </a:rPr>
+                        <a:t>Remove the dilution in 2nd layer</a:t>
+                      </a:r>
+                      <a:endParaRPr lang="en-HK" sz="900" b="0" i="0" u="none" strike="noStrike">
+                        <a:solidFill>
+                          <a:srgbClr val="000000"/>
+                        </a:solidFill>
+                        <a:effectLst/>
+                        <a:latin typeface="Calibri" panose="020F0502020204030204" pitchFamily="34" charset="0"/>
+                      </a:endParaRPr>
+                    </a:p>
+                  </a:txBody>
+                  <a:tcPr marL="9525" marR="9525" marT="9525" marB="0" anchor="ctr"/>
+                </a:tc>
+                <a:tc>
+                  <a:txBody>
+                    <a:bodyPr/>
+                    <a:lstStyle/>
+                    <a:p>
+                      <a:pPr algn="ctr" fontAlgn="b"/>
+                      <a:r>
+                        <a:rPr lang="en-HK" sz="900" b="0" u="none" strike="noStrike">
+                          <a:solidFill>
+                            <a:srgbClr val="000000"/>
+                          </a:solidFill>
+                          <a:effectLst/>
+                        </a:rPr>
+                        <a:t>0.61</a:t>
+                      </a:r>
+                      <a:endParaRPr lang="en-HK" sz="900" b="0" i="0" u="none" strike="noStrike">
+                        <a:solidFill>
+                          <a:srgbClr val="000000"/>
+                        </a:solidFill>
+                        <a:effectLst/>
+                        <a:latin typeface="Calibri" panose="020F0502020204030204" pitchFamily="34" charset="0"/>
+                      </a:endParaRPr>
+                    </a:p>
+                  </a:txBody>
+                  <a:tcPr marL="9525" marR="9525" marT="9525" marB="0" anchor="ctr"/>
+                </a:tc>
+                <a:tc>
+                  <a:txBody>
+                    <a:bodyPr/>
+                    <a:lstStyle/>
+                    <a:p>
+                      <a:pPr algn="ctr" fontAlgn="b"/>
+                      <a:r>
+                        <a:rPr lang="en-HK" sz="900" b="0" u="none" strike="noStrike">
+                          <a:solidFill>
+                            <a:srgbClr val="000000"/>
+                          </a:solidFill>
+                          <a:effectLst/>
+                        </a:rPr>
+                        <a:t>0.5415</a:t>
+                      </a:r>
+                      <a:endParaRPr lang="en-HK" sz="900" b="0" i="0" u="none" strike="noStrike">
+                        <a:solidFill>
+                          <a:srgbClr val="000000"/>
+                        </a:solidFill>
+                        <a:effectLst/>
+                        <a:latin typeface="Calibri" panose="020F0502020204030204" pitchFamily="34" charset="0"/>
+                      </a:endParaRPr>
+                    </a:p>
+                  </a:txBody>
+                  <a:tcPr marL="9525" marR="9525" marT="9525" marB="0" anchor="ctr"/>
+                </a:tc>
+                <a:tc>
+                  <a:txBody>
+                    <a:bodyPr/>
+                    <a:lstStyle/>
+                    <a:p>
+                      <a:pPr algn="ctr" fontAlgn="b"/>
+                      <a:r>
+                        <a:rPr lang="en-HK" sz="900" b="0" u="none" strike="noStrike">
+                          <a:solidFill>
+                            <a:srgbClr val="000000"/>
+                          </a:solidFill>
+                          <a:effectLst/>
+                        </a:rPr>
+                        <a:t>0.52</a:t>
+                      </a:r>
+                      <a:endParaRPr lang="en-HK" sz="900" b="0" i="0" u="none" strike="noStrike">
+                        <a:solidFill>
+                          <a:srgbClr val="000000"/>
+                        </a:solidFill>
+                        <a:effectLst/>
+                        <a:latin typeface="Calibri" panose="020F0502020204030204" pitchFamily="34" charset="0"/>
+                      </a:endParaRPr>
+                    </a:p>
+                  </a:txBody>
+                  <a:tcPr marL="9525" marR="9525" marT="9525" marB="0" anchor="ctr"/>
+                </a:tc>
+                <a:tc>
+                  <a:txBody>
+                    <a:bodyPr/>
+                    <a:lstStyle/>
+                    <a:p>
+                      <a:pPr algn="ctr" fontAlgn="b"/>
+                      <a:r>
+                        <a:rPr lang="en-HK" sz="900" b="0" u="none" strike="noStrike" dirty="0">
+                          <a:solidFill>
+                            <a:srgbClr val="000000"/>
+                          </a:solidFill>
+                          <a:effectLst/>
+                        </a:rPr>
+                        <a:t>0.6657</a:t>
+                      </a:r>
+                      <a:endParaRPr lang="en-HK" sz="900" b="0" i="0" u="none" strike="noStrike" dirty="0">
+                        <a:solidFill>
+                          <a:srgbClr val="000000"/>
+                        </a:solidFill>
+                        <a:effectLst/>
+                        <a:latin typeface="Calibri" panose="020F0502020204030204" pitchFamily="34" charset="0"/>
+                      </a:endParaRPr>
+                    </a:p>
+                  </a:txBody>
+                  <a:tcPr marL="9525" marR="9525" marT="9525" marB="0" anchor="ctr"/>
+                </a:tc>
+                <a:tc>
+                  <a:txBody>
+                    <a:bodyPr/>
+                    <a:lstStyle/>
+                    <a:p>
+                      <a:pPr algn="ctr" fontAlgn="b"/>
+                      <a:r>
+                        <a:rPr lang="en-HK" sz="900" b="0" u="none" strike="noStrike">
+                          <a:solidFill>
+                            <a:srgbClr val="000000"/>
+                          </a:solidFill>
+                          <a:effectLst/>
+                        </a:rPr>
+                        <a:t>0.5</a:t>
+                      </a:r>
+                      <a:endParaRPr lang="en-HK" sz="900" b="0" i="0" u="none" strike="noStrike">
+                        <a:solidFill>
+                          <a:srgbClr val="000000"/>
+                        </a:solidFill>
+                        <a:effectLst/>
+                        <a:latin typeface="Calibri" panose="020F0502020204030204" pitchFamily="34" charset="0"/>
+                      </a:endParaRPr>
+                    </a:p>
+                  </a:txBody>
+                  <a:tcPr marL="9525" marR="9525" marT="9525" marB="0" anchor="ctr"/>
+                </a:tc>
+                <a:tc>
+                  <a:txBody>
+                    <a:bodyPr/>
+                    <a:lstStyle/>
+                    <a:p>
+                      <a:pPr algn="ctr" fontAlgn="b"/>
+                      <a:r>
+                        <a:rPr lang="en-HK" sz="900" b="0" u="none" strike="noStrike">
+                          <a:solidFill>
+                            <a:srgbClr val="000000"/>
+                          </a:solidFill>
+                          <a:effectLst/>
+                        </a:rPr>
+                        <a:t>0.7089</a:t>
+                      </a:r>
+                      <a:endParaRPr lang="en-HK" sz="900" b="0" i="0" u="none" strike="noStrike">
+                        <a:solidFill>
+                          <a:srgbClr val="000000"/>
+                        </a:solidFill>
+                        <a:effectLst/>
+                        <a:latin typeface="Calibri" panose="020F0502020204030204" pitchFamily="34" charset="0"/>
+                      </a:endParaRPr>
+                    </a:p>
+                  </a:txBody>
+                  <a:tcPr marL="9525" marR="9525" marT="9525" marB="0" anchor="ctr"/>
+                </a:tc>
+                <a:extLst>
+                  <a:ext uri="{0D108BD9-81ED-4DB2-BD59-A6C34878D82A}">
+                    <a16:rowId xmlns:a16="http://schemas.microsoft.com/office/drawing/2014/main" val="2858371914"/>
+                  </a:ext>
+                </a:extLst>
+              </a:tr>
+              <a:tr h="0">
+                <a:tc>
+                  <a:txBody>
+                    <a:bodyPr/>
+                    <a:lstStyle/>
+                    <a:p>
+                      <a:pPr algn="ctr" fontAlgn="b"/>
+                      <a:r>
+                        <a:rPr lang="en-HK" sz="900" b="0" u="none" strike="noStrike">
+                          <a:solidFill>
+                            <a:srgbClr val="000000"/>
+                          </a:solidFill>
+                          <a:effectLst/>
+                        </a:rPr>
+                        <a:t>Changed the optimizer to RMSprop</a:t>
+                      </a:r>
+                      <a:endParaRPr lang="en-HK" sz="900" b="0" i="0" u="none" strike="noStrike">
+                        <a:solidFill>
+                          <a:srgbClr val="000000"/>
+                        </a:solidFill>
+                        <a:effectLst/>
+                        <a:latin typeface="Calibri" panose="020F0502020204030204" pitchFamily="34" charset="0"/>
+                      </a:endParaRPr>
+                    </a:p>
+                  </a:txBody>
+                  <a:tcPr marL="9525" marR="9525" marT="9525" marB="0" anchor="ctr"/>
+                </a:tc>
+                <a:tc>
+                  <a:txBody>
+                    <a:bodyPr/>
+                    <a:lstStyle/>
+                    <a:p>
+                      <a:pPr algn="ctr" fontAlgn="b"/>
+                      <a:r>
+                        <a:rPr lang="en-HK" sz="900" b="0" u="none" strike="noStrike">
+                          <a:solidFill>
+                            <a:srgbClr val="000000"/>
+                          </a:solidFill>
+                          <a:effectLst/>
+                        </a:rPr>
+                        <a:t>0.54</a:t>
+                      </a:r>
+                      <a:endParaRPr lang="en-HK" sz="900" b="0" i="0" u="none" strike="noStrike">
+                        <a:solidFill>
+                          <a:srgbClr val="000000"/>
+                        </a:solidFill>
+                        <a:effectLst/>
+                        <a:latin typeface="Calibri" panose="020F0502020204030204" pitchFamily="34" charset="0"/>
+                      </a:endParaRPr>
+                    </a:p>
+                  </a:txBody>
+                  <a:tcPr marL="9525" marR="9525" marT="9525" marB="0" anchor="ctr"/>
+                </a:tc>
+                <a:tc>
+                  <a:txBody>
+                    <a:bodyPr/>
+                    <a:lstStyle/>
+                    <a:p>
+                      <a:pPr algn="ctr" fontAlgn="b"/>
+                      <a:r>
+                        <a:rPr lang="en-HK" sz="900" b="0" u="none" strike="noStrike">
+                          <a:solidFill>
+                            <a:srgbClr val="000000"/>
+                          </a:solidFill>
+                          <a:effectLst/>
+                        </a:rPr>
+                        <a:t>0.6425</a:t>
+                      </a:r>
+                      <a:endParaRPr lang="en-HK" sz="900" b="0" i="0" u="none" strike="noStrike">
+                        <a:solidFill>
+                          <a:srgbClr val="000000"/>
+                        </a:solidFill>
+                        <a:effectLst/>
+                        <a:latin typeface="Calibri" panose="020F0502020204030204" pitchFamily="34" charset="0"/>
+                      </a:endParaRPr>
+                    </a:p>
+                  </a:txBody>
+                  <a:tcPr marL="9525" marR="9525" marT="9525" marB="0" anchor="ctr"/>
+                </a:tc>
+                <a:tc>
+                  <a:txBody>
+                    <a:bodyPr/>
+                    <a:lstStyle/>
+                    <a:p>
+                      <a:pPr algn="ctr" fontAlgn="b"/>
+                      <a:r>
+                        <a:rPr lang="en-HK" sz="900" b="0" u="none" strike="noStrike">
+                          <a:solidFill>
+                            <a:srgbClr val="000000"/>
+                          </a:solidFill>
+                          <a:effectLst/>
+                        </a:rPr>
+                        <a:t>0.52</a:t>
+                      </a:r>
+                      <a:endParaRPr lang="en-HK" sz="900" b="0" i="0" u="none" strike="noStrike">
+                        <a:solidFill>
+                          <a:srgbClr val="000000"/>
+                        </a:solidFill>
+                        <a:effectLst/>
+                        <a:latin typeface="Calibri" panose="020F0502020204030204" pitchFamily="34" charset="0"/>
+                      </a:endParaRPr>
+                    </a:p>
+                  </a:txBody>
+                  <a:tcPr marL="9525" marR="9525" marT="9525" marB="0" anchor="ctr"/>
+                </a:tc>
+                <a:tc>
+                  <a:txBody>
+                    <a:bodyPr/>
+                    <a:lstStyle/>
+                    <a:p>
+                      <a:pPr algn="ctr" fontAlgn="b"/>
+                      <a:r>
+                        <a:rPr lang="en-HK" sz="900" b="0" u="none" strike="noStrike">
+                          <a:solidFill>
+                            <a:srgbClr val="000000"/>
+                          </a:solidFill>
+                          <a:effectLst/>
+                        </a:rPr>
+                        <a:t>0.6955</a:t>
+                      </a:r>
+                      <a:endParaRPr lang="en-HK" sz="900" b="0" i="0" u="none" strike="noStrike">
+                        <a:solidFill>
+                          <a:srgbClr val="000000"/>
+                        </a:solidFill>
+                        <a:effectLst/>
+                        <a:latin typeface="Calibri" panose="020F0502020204030204" pitchFamily="34" charset="0"/>
+                      </a:endParaRPr>
+                    </a:p>
+                  </a:txBody>
+                  <a:tcPr marL="9525" marR="9525" marT="9525" marB="0" anchor="ctr"/>
+                </a:tc>
+                <a:tc>
+                  <a:txBody>
+                    <a:bodyPr/>
+                    <a:lstStyle/>
+                    <a:p>
+                      <a:pPr algn="ctr" fontAlgn="b"/>
+                      <a:r>
+                        <a:rPr lang="en-HK" sz="900" b="0" u="none" strike="noStrike" dirty="0">
+                          <a:solidFill>
+                            <a:srgbClr val="000000"/>
+                          </a:solidFill>
+                          <a:effectLst/>
+                        </a:rPr>
+                        <a:t>0.51</a:t>
+                      </a:r>
+                      <a:endParaRPr lang="en-HK" sz="900" b="0" i="0" u="none" strike="noStrike" dirty="0">
+                        <a:solidFill>
+                          <a:srgbClr val="000000"/>
+                        </a:solidFill>
+                        <a:effectLst/>
+                        <a:latin typeface="Calibri" panose="020F0502020204030204" pitchFamily="34" charset="0"/>
+                      </a:endParaRPr>
+                    </a:p>
+                  </a:txBody>
+                  <a:tcPr marL="9525" marR="9525" marT="9525" marB="0" anchor="ctr"/>
+                </a:tc>
+                <a:tc>
+                  <a:txBody>
+                    <a:bodyPr/>
+                    <a:lstStyle/>
+                    <a:p>
+                      <a:pPr algn="ctr" fontAlgn="b"/>
+                      <a:r>
+                        <a:rPr lang="en-HK" sz="900" b="0" u="none" strike="noStrike" dirty="0">
+                          <a:solidFill>
+                            <a:srgbClr val="000000"/>
+                          </a:solidFill>
+                          <a:effectLst/>
+                        </a:rPr>
+                        <a:t>0.7113</a:t>
+                      </a:r>
+                      <a:endParaRPr lang="en-HK" sz="900" b="0" i="0" u="none" strike="noStrike" dirty="0">
+                        <a:solidFill>
+                          <a:srgbClr val="000000"/>
+                        </a:solidFill>
+                        <a:effectLst/>
+                        <a:latin typeface="Calibri" panose="020F0502020204030204" pitchFamily="34" charset="0"/>
+                      </a:endParaRPr>
+                    </a:p>
+                  </a:txBody>
+                  <a:tcPr marL="9525" marR="9525" marT="9525" marB="0" anchor="ctr"/>
+                </a:tc>
+                <a:extLst>
+                  <a:ext uri="{0D108BD9-81ED-4DB2-BD59-A6C34878D82A}">
+                    <a16:rowId xmlns:a16="http://schemas.microsoft.com/office/drawing/2014/main" val="3065289174"/>
+                  </a:ext>
+                </a:extLst>
+              </a:tr>
+              <a:tr h="0">
+                <a:tc>
+                  <a:txBody>
+                    <a:bodyPr/>
+                    <a:lstStyle/>
+                    <a:p>
+                      <a:pPr algn="ctr" fontAlgn="b"/>
+                      <a:r>
+                        <a:rPr lang="en-HK" sz="900" b="0" u="none" strike="noStrike" dirty="0">
+                          <a:solidFill>
+                            <a:srgbClr val="000000"/>
+                          </a:solidFill>
+                          <a:effectLst/>
+                        </a:rPr>
+                        <a:t>Changed the optimizer to Adam</a:t>
+                      </a:r>
+                      <a:endParaRPr lang="en-HK" sz="900" b="0" i="0" u="none" strike="noStrike" dirty="0">
+                        <a:solidFill>
+                          <a:srgbClr val="000000"/>
+                        </a:solidFill>
+                        <a:effectLst/>
+                        <a:latin typeface="Calibri" panose="020F0502020204030204" pitchFamily="34" charset="0"/>
+                      </a:endParaRPr>
+                    </a:p>
+                  </a:txBody>
+                  <a:tcPr marL="9525" marR="9525" marT="9525" marB="0" anchor="ctr"/>
+                </a:tc>
+                <a:tc>
+                  <a:txBody>
+                    <a:bodyPr/>
+                    <a:lstStyle/>
+                    <a:p>
+                      <a:pPr algn="ctr" fontAlgn="b"/>
+                      <a:r>
+                        <a:rPr lang="en-HK" sz="900" b="0" u="none" strike="noStrike" dirty="0">
+                          <a:solidFill>
+                            <a:srgbClr val="000000"/>
+                          </a:solidFill>
+                          <a:effectLst/>
+                        </a:rPr>
+                        <a:t>0.55</a:t>
+                      </a:r>
+                      <a:endParaRPr lang="en-HK" sz="900" b="0" i="0" u="none" strike="noStrike" dirty="0">
+                        <a:solidFill>
+                          <a:srgbClr val="000000"/>
+                        </a:solidFill>
+                        <a:effectLst/>
+                        <a:latin typeface="Calibri" panose="020F0502020204030204" pitchFamily="34" charset="0"/>
+                      </a:endParaRPr>
+                    </a:p>
+                  </a:txBody>
+                  <a:tcPr marL="9525" marR="9525" marT="9525" marB="0" anchor="ctr"/>
+                </a:tc>
+                <a:tc>
+                  <a:txBody>
+                    <a:bodyPr/>
+                    <a:lstStyle/>
+                    <a:p>
+                      <a:pPr algn="ctr" fontAlgn="b"/>
+                      <a:r>
+                        <a:rPr lang="en-HK" sz="900" b="0" u="none" strike="noStrike">
+                          <a:solidFill>
+                            <a:srgbClr val="000000"/>
+                          </a:solidFill>
+                          <a:effectLst/>
+                        </a:rPr>
+                        <a:t>0.6764</a:t>
+                      </a:r>
+                      <a:endParaRPr lang="en-HK" sz="900" b="0" i="0" u="none" strike="noStrike">
+                        <a:solidFill>
+                          <a:srgbClr val="000000"/>
+                        </a:solidFill>
+                        <a:effectLst/>
+                        <a:latin typeface="Calibri" panose="020F0502020204030204" pitchFamily="34" charset="0"/>
+                      </a:endParaRPr>
+                    </a:p>
+                  </a:txBody>
+                  <a:tcPr marL="9525" marR="9525" marT="9525" marB="0" anchor="ctr"/>
+                </a:tc>
+                <a:tc>
+                  <a:txBody>
+                    <a:bodyPr/>
+                    <a:lstStyle/>
+                    <a:p>
+                      <a:pPr algn="ctr" fontAlgn="b"/>
+                      <a:r>
+                        <a:rPr lang="en-HK" sz="900" b="0" u="none" strike="noStrike" dirty="0">
+                          <a:solidFill>
+                            <a:srgbClr val="000000"/>
+                          </a:solidFill>
+                          <a:effectLst/>
+                        </a:rPr>
+                        <a:t>0.52</a:t>
+                      </a:r>
+                      <a:endParaRPr lang="en-HK" sz="900" b="0" i="0" u="none" strike="noStrike" dirty="0">
+                        <a:solidFill>
+                          <a:srgbClr val="000000"/>
+                        </a:solidFill>
+                        <a:effectLst/>
+                        <a:latin typeface="Calibri" panose="020F0502020204030204" pitchFamily="34" charset="0"/>
+                      </a:endParaRPr>
+                    </a:p>
+                  </a:txBody>
+                  <a:tcPr marL="9525" marR="9525" marT="9525" marB="0" anchor="ctr"/>
+                </a:tc>
+                <a:tc>
+                  <a:txBody>
+                    <a:bodyPr/>
+                    <a:lstStyle/>
+                    <a:p>
+                      <a:pPr algn="ctr" fontAlgn="b"/>
+                      <a:r>
+                        <a:rPr lang="en-HK" sz="900" b="0" u="none" strike="noStrike">
+                          <a:solidFill>
+                            <a:srgbClr val="000000"/>
+                          </a:solidFill>
+                          <a:effectLst/>
+                        </a:rPr>
+                        <a:t>0.6881</a:t>
+                      </a:r>
+                      <a:endParaRPr lang="en-HK" sz="900" b="0" i="0" u="none" strike="noStrike">
+                        <a:solidFill>
+                          <a:srgbClr val="000000"/>
+                        </a:solidFill>
+                        <a:effectLst/>
+                        <a:latin typeface="Calibri" panose="020F0502020204030204" pitchFamily="34" charset="0"/>
+                      </a:endParaRPr>
+                    </a:p>
+                  </a:txBody>
+                  <a:tcPr marL="9525" marR="9525" marT="9525" marB="0" anchor="ctr"/>
+                </a:tc>
+                <a:tc>
+                  <a:txBody>
+                    <a:bodyPr/>
+                    <a:lstStyle/>
+                    <a:p>
+                      <a:pPr algn="ctr" fontAlgn="b"/>
+                      <a:r>
+                        <a:rPr lang="en-HK" sz="900" b="0" u="none" strike="noStrike" dirty="0">
+                          <a:solidFill>
+                            <a:srgbClr val="000000"/>
+                          </a:solidFill>
+                          <a:effectLst/>
+                        </a:rPr>
+                        <a:t>0.51</a:t>
+                      </a:r>
+                      <a:endParaRPr lang="en-HK" sz="900" b="0" i="0" u="none" strike="noStrike" dirty="0">
+                        <a:solidFill>
+                          <a:srgbClr val="000000"/>
+                        </a:solidFill>
+                        <a:effectLst/>
+                        <a:latin typeface="Calibri" panose="020F0502020204030204" pitchFamily="34" charset="0"/>
+                      </a:endParaRPr>
+                    </a:p>
+                  </a:txBody>
+                  <a:tcPr marL="9525" marR="9525" marT="9525" marB="0" anchor="ctr"/>
+                </a:tc>
+                <a:tc>
+                  <a:txBody>
+                    <a:bodyPr/>
+                    <a:lstStyle/>
+                    <a:p>
+                      <a:pPr algn="ctr" fontAlgn="b"/>
+                      <a:r>
+                        <a:rPr lang="en-HK" sz="900" b="0" u="none" strike="noStrike" dirty="0">
+                          <a:solidFill>
+                            <a:srgbClr val="000000"/>
+                          </a:solidFill>
+                          <a:effectLst/>
+                        </a:rPr>
+                        <a:t>0.7013</a:t>
+                      </a:r>
+                      <a:endParaRPr lang="en-HK" sz="900" b="0" i="0" u="none" strike="noStrike" dirty="0">
+                        <a:solidFill>
+                          <a:srgbClr val="000000"/>
+                        </a:solidFill>
+                        <a:effectLst/>
+                        <a:latin typeface="Calibri" panose="020F0502020204030204" pitchFamily="34" charset="0"/>
+                      </a:endParaRPr>
+                    </a:p>
+                  </a:txBody>
+                  <a:tcPr marL="9525" marR="9525" marT="9525" marB="0" anchor="ctr"/>
+                </a:tc>
+                <a:extLst>
+                  <a:ext uri="{0D108BD9-81ED-4DB2-BD59-A6C34878D82A}">
+                    <a16:rowId xmlns:a16="http://schemas.microsoft.com/office/drawing/2014/main" val="1720938517"/>
+                  </a:ext>
+                </a:extLst>
+              </a:tr>
+            </a:tbl>
+          </a:graphicData>
+        </a:graphic>
+      </p:graphicFrame>
     </p:spTree>
     <p:extLst>
       <p:ext uri="{BB962C8B-B14F-4D97-AF65-F5344CB8AC3E}">
         <p14:creationId xmlns:p14="http://schemas.microsoft.com/office/powerpoint/2010/main" val="263858504"/>
+      </p:ext>
+    </p:extLst>
+  </p:cSld>
+  <p:clrMapOvr>
+    <a:masterClrMapping/>
+  </p:clrMapOvr>
+</p:sld>
+</file>
+
+<file path=ppt/slides/slide2.xml><?xml version="1.0" encoding="utf-8"?>
+<p:sld xmlns:a="http://schemas.openxmlformats.org/drawingml/2006/main" xmlns:r="http://schemas.openxmlformats.org/officeDocument/2006/relationships" xmlns:p="http://schemas.openxmlformats.org/presentationml/2006/main">
+  <p:cSld>
+    <p:spTree>
+      <p:nvGrpSpPr>
+        <p:cNvPr id="1" name=""/>
+        <p:cNvGrpSpPr/>
+        <p:nvPr/>
+      </p:nvGrpSpPr>
+      <p:grpSpPr>
+        <a:xfrm>
+          <a:off x="0" y="0"/>
+          <a:ext cx="0" cy="0"/>
+          <a:chOff x="0" y="0"/>
+          <a:chExt cx="0" cy="0"/>
+        </a:xfrm>
+      </p:grpSpPr>
+    </p:spTree>
+    <p:extLst>
+      <p:ext uri="{BB962C8B-B14F-4D97-AF65-F5344CB8AC3E}">
+        <p14:creationId xmlns:p14="http://schemas.microsoft.com/office/powerpoint/2010/main" val="3929600436"/>
       </p:ext>
     </p:extLst>
   </p:cSld>
